--- a/mybatis/docs/mybatis.pptx
+++ b/mybatis/docs/mybatis.pptx
@@ -6,7 +6,7 @@
     <p:sldMasterId id="2147483660" r:id="rId2"/>
   </p:sldMasterIdLst>
   <p:notesMasterIdLst>
-    <p:notesMasterId r:id="rId33"/>
+    <p:notesMasterId r:id="rId18"/>
   </p:notesMasterIdLst>
   <p:sldIdLst>
     <p:sldId id="256" r:id="rId3"/>
@@ -16,29 +16,14 @@
     <p:sldId id="264" r:id="rId7"/>
     <p:sldId id="268" r:id="rId8"/>
     <p:sldId id="269" r:id="rId9"/>
-    <p:sldId id="270" r:id="rId10"/>
-    <p:sldId id="271" r:id="rId11"/>
-    <p:sldId id="272" r:id="rId12"/>
-    <p:sldId id="273" r:id="rId13"/>
-    <p:sldId id="274" r:id="rId14"/>
-    <p:sldId id="275" r:id="rId15"/>
-    <p:sldId id="276" r:id="rId16"/>
-    <p:sldId id="277" r:id="rId17"/>
-    <p:sldId id="278" r:id="rId18"/>
-    <p:sldId id="279" r:id="rId19"/>
-    <p:sldId id="280" r:id="rId20"/>
-    <p:sldId id="281" r:id="rId21"/>
-    <p:sldId id="282" r:id="rId22"/>
-    <p:sldId id="283" r:id="rId23"/>
-    <p:sldId id="284" r:id="rId24"/>
-    <p:sldId id="285" r:id="rId25"/>
-    <p:sldId id="286" r:id="rId26"/>
-    <p:sldId id="287" r:id="rId27"/>
-    <p:sldId id="288" r:id="rId28"/>
-    <p:sldId id="289" r:id="rId29"/>
-    <p:sldId id="290" r:id="rId30"/>
-    <p:sldId id="262" r:id="rId31"/>
-    <p:sldId id="261" r:id="rId32"/>
+    <p:sldId id="291" r:id="rId10"/>
+    <p:sldId id="270" r:id="rId11"/>
+    <p:sldId id="276" r:id="rId12"/>
+    <p:sldId id="277" r:id="rId13"/>
+    <p:sldId id="278" r:id="rId14"/>
+    <p:sldId id="280" r:id="rId15"/>
+    <p:sldId id="283" r:id="rId16"/>
+    <p:sldId id="261" r:id="rId17"/>
   </p:sldIdLst>
   <p:sldSz cx="9144000" cy="6858000" type="screen4x3"/>
   <p:notesSz cx="6858000" cy="9144000"/>
@@ -222,7 +207,7 @@
           <a:p>
             <a:fld id="{D6CB015B-B7FF-4093-8E19-9AD7339689D2}" type="datetimeFigureOut">
               <a:rPr lang="zh-CN" altLang="en-US" smtClean="0"/>
-              <a:t>2017/12/24</a:t>
+              <a:t>2017/12/26</a:t>
             </a:fld>
             <a:endParaRPr lang="zh-CN" altLang="en-US"/>
           </a:p>
@@ -577,7 +562,7 @@
             <a:fld id="{96901A81-0F01-4EEE-B1B8-8AAFCC661EC4}" type="slidenum">
               <a:rPr lang="zh-CN" altLang="en-US" smtClean="0"/>
               <a:pPr/>
-              <a:t>30</a:t>
+              <a:t>15</a:t>
             </a:fld>
             <a:endParaRPr lang="zh-CN" altLang="en-US"/>
           </a:p>
@@ -2192,7 +2177,7 @@
             <a:fld id="{B35E7478-ADE7-4480-A214-01473DFE0029}" type="datetimeFigureOut">
               <a:rPr lang="zh-CN" altLang="en-US" smtClean="0"/>
               <a:pPr/>
-              <a:t>2017/12/24</a:t>
+              <a:t>2017/12/26</a:t>
             </a:fld>
             <a:endParaRPr lang="zh-CN" altLang="en-US"/>
           </a:p>
@@ -6057,7 +6042,7 @@
             <a:fld id="{B35E7478-ADE7-4480-A214-01473DFE0029}" type="datetimeFigureOut">
               <a:rPr lang="zh-CN" altLang="en-US" smtClean="0"/>
               <a:pPr/>
-              <a:t>2017/12/24</a:t>
+              <a:t>2017/12/26</a:t>
             </a:fld>
             <a:endParaRPr lang="zh-CN" altLang="en-US"/>
           </a:p>
@@ -7725,7 +7710,7 @@
             <a:fld id="{B35E7478-ADE7-4480-A214-01473DFE0029}" type="datetimeFigureOut">
               <a:rPr lang="zh-CN" altLang="en-US" smtClean="0"/>
               <a:pPr/>
-              <a:t>2017/12/24</a:t>
+              <a:t>2017/12/26</a:t>
             </a:fld>
             <a:endParaRPr lang="zh-CN" altLang="en-US"/>
           </a:p>
@@ -12029,7 +12014,7 @@
                 </a:solidFill>
               </a:rPr>
               <a:pPr/>
-              <a:t>2017/12/24</a:t>
+              <a:t>2017/12/26</a:t>
             </a:fld>
             <a:endParaRPr lang="zh-CN" altLang="en-US">
               <a:solidFill>
@@ -15947,7 +15932,7 @@
                 </a:solidFill>
               </a:rPr>
               <a:pPr/>
-              <a:t>2017/12/24</a:t>
+              <a:t>2017/12/26</a:t>
             </a:fld>
             <a:endParaRPr lang="zh-CN" altLang="en-US">
               <a:solidFill>
@@ -21798,7 +21783,7 @@
                 </a:solidFill>
               </a:rPr>
               <a:pPr/>
-              <a:t>2017/12/24</a:t>
+              <a:t>2017/12/26</a:t>
             </a:fld>
             <a:endParaRPr lang="zh-CN" altLang="en-US">
               <a:solidFill>
@@ -22388,7 +22373,7 @@
                 </a:solidFill>
               </a:rPr>
               <a:pPr/>
-              <a:t>2017/12/24</a:t>
+              <a:t>2017/12/26</a:t>
             </a:fld>
             <a:endParaRPr lang="zh-CN" altLang="en-US">
               <a:solidFill>
@@ -26092,7 +26077,7 @@
                 </a:solidFill>
               </a:rPr>
               <a:pPr/>
-              <a:t>2017/12/24</a:t>
+              <a:t>2017/12/26</a:t>
             </a:fld>
             <a:endParaRPr lang="zh-CN" altLang="en-US">
               <a:solidFill>
@@ -26226,7 +26211,7 @@
                 </a:solidFill>
               </a:rPr>
               <a:pPr/>
-              <a:t>2017/12/24</a:t>
+              <a:t>2017/12/26</a:t>
             </a:fld>
             <a:endParaRPr lang="zh-CN" altLang="en-US">
               <a:solidFill>
@@ -27055,7 +27040,7 @@
             <a:fld id="{B35E7478-ADE7-4480-A214-01473DFE0029}" type="datetimeFigureOut">
               <a:rPr lang="zh-CN" altLang="en-US" smtClean="0"/>
               <a:pPr/>
-              <a:t>2017/12/24</a:t>
+              <a:t>2017/12/26</a:t>
             </a:fld>
             <a:endParaRPr lang="zh-CN" altLang="en-US"/>
           </a:p>
@@ -32383,7 +32368,7 @@
             <a:fld id="{B35E7478-ADE7-4480-A214-01473DFE0029}" type="datetimeFigureOut">
               <a:rPr lang="zh-CN" altLang="en-US" smtClean="0"/>
               <a:pPr/>
-              <a:t>2017/12/24</a:t>
+              <a:t>2017/12/26</a:t>
             </a:fld>
             <a:endParaRPr lang="zh-CN" altLang="en-US"/>
           </a:p>
@@ -37737,7 +37722,7 @@
             <a:fld id="{B35E7478-ADE7-4480-A214-01473DFE0029}" type="datetimeFigureOut">
               <a:rPr lang="zh-CN" altLang="en-US" smtClean="0"/>
               <a:pPr/>
-              <a:t>2017/12/24</a:t>
+              <a:t>2017/12/26</a:t>
             </a:fld>
             <a:endParaRPr lang="zh-CN" altLang="en-US"/>
           </a:p>
@@ -37834,7 +37819,7 @@
             <a:fld id="{B35E7478-ADE7-4480-A214-01473DFE0029}" type="datetimeFigureOut">
               <a:rPr lang="zh-CN" altLang="en-US" smtClean="0"/>
               <a:pPr/>
-              <a:t>2017/12/24</a:t>
+              <a:t>2017/12/26</a:t>
             </a:fld>
             <a:endParaRPr lang="zh-CN" altLang="en-US"/>
           </a:p>
@@ -38120,7 +38105,7 @@
             <a:fld id="{B35E7478-ADE7-4480-A214-01473DFE0029}" type="datetimeFigureOut">
               <a:rPr lang="zh-CN" altLang="en-US" smtClean="0"/>
               <a:pPr/>
-              <a:t>2017/12/24</a:t>
+              <a:t>2017/12/26</a:t>
             </a:fld>
             <a:endParaRPr lang="zh-CN" altLang="en-US"/>
           </a:p>
@@ -38375,7 +38360,7 @@
             <a:fld id="{B35E7478-ADE7-4480-A214-01473DFE0029}" type="datetimeFigureOut">
               <a:rPr lang="zh-CN" altLang="en-US" smtClean="0"/>
               <a:pPr/>
-              <a:t>2017/12/24</a:t>
+              <a:t>2017/12/26</a:t>
             </a:fld>
             <a:endParaRPr lang="zh-CN" altLang="en-US"/>
           </a:p>
@@ -38547,7 +38532,7 @@
             <a:fld id="{B35E7478-ADE7-4480-A214-01473DFE0029}" type="datetimeFigureOut">
               <a:rPr lang="zh-CN" altLang="en-US" smtClean="0"/>
               <a:pPr/>
-              <a:t>2017/12/24</a:t>
+              <a:t>2017/12/26</a:t>
             </a:fld>
             <a:endParaRPr lang="zh-CN" altLang="en-US"/>
           </a:p>
@@ -38774,7 +38759,7 @@
             <a:fld id="{B35E7478-ADE7-4480-A214-01473DFE0029}" type="datetimeFigureOut">
               <a:rPr lang="zh-CN" altLang="en-US" smtClean="0"/>
               <a:pPr/>
-              <a:t>2017/12/24</a:t>
+              <a:t>2017/12/26</a:t>
             </a:fld>
             <a:endParaRPr lang="zh-CN" altLang="en-US"/>
           </a:p>
@@ -39310,7 +39295,7 @@
                 </a:solidFill>
               </a:rPr>
               <a:pPr/>
-              <a:t>2017/12/24</a:t>
+              <a:t>2017/12/26</a:t>
             </a:fld>
             <a:endParaRPr lang="zh-CN" altLang="en-US">
               <a:solidFill>
@@ -39803,658 +39788,6 @@
       </p:grpSpPr>
       <p:sp>
         <p:nvSpPr>
-          <p:cNvPr id="15362" name="内容占位符 1"/>
-          <p:cNvSpPr>
-            <a:spLocks noGrp="1"/>
-          </p:cNvSpPr>
-          <p:nvPr>
-            <p:ph idx="1"/>
-          </p:nvPr>
-        </p:nvSpPr>
-        <p:spPr>
-          <a:xfrm>
-            <a:off x="428625" y="1143000"/>
-            <a:ext cx="8429625" cy="4525963"/>
-          </a:xfrm>
-        </p:spPr>
-        <p:txBody>
-          <a:bodyPr/>
-          <a:lstStyle/>
-          <a:p>
-            <a:pPr eaLnBrk="1" hangingPunct="1"/>
-            <a:endParaRPr lang="zh-CN" altLang="en-US" smtClean="0"/>
-          </a:p>
-        </p:txBody>
-      </p:sp>
-      <p:sp>
-        <p:nvSpPr>
-          <p:cNvPr id="3" name="标题 2"/>
-          <p:cNvSpPr>
-            <a:spLocks noGrp="1"/>
-          </p:cNvSpPr>
-          <p:nvPr>
-            <p:ph type="title"/>
-          </p:nvPr>
-        </p:nvSpPr>
-        <p:spPr>
-          <a:xfrm>
-            <a:off x="34925" y="188913"/>
-            <a:ext cx="8229600" cy="571500"/>
-          </a:xfrm>
-        </p:spPr>
-        <p:txBody>
-          <a:bodyPr>
-            <a:normAutofit fontScale="90000"/>
-          </a:bodyPr>
-          <a:lstStyle/>
-          <a:p>
-            <a:pPr eaLnBrk="1" hangingPunct="1">
-              <a:defRPr/>
-            </a:pPr>
-            <a:r>
-              <a:rPr lang="en-US" altLang="zh-CN" dirty="0" err="1" smtClean="0"/>
-              <a:t>Mapper</a:t>
-            </a:r>
-            <a:r>
-              <a:rPr lang="zh-CN" altLang="en-US" dirty="0" smtClean="0"/>
-              <a:t>定义 </a:t>
-            </a:r>
-            <a:r>
-              <a:rPr lang="en-US" altLang="zh-CN" dirty="0" smtClean="0"/>
-              <a:t>– </a:t>
-            </a:r>
-            <a:r>
-              <a:rPr lang="zh-CN" altLang="en-US" dirty="0" smtClean="0"/>
-              <a:t>域对象</a:t>
-            </a:r>
-            <a:r>
-              <a:rPr lang="en-US" altLang="zh-CN" dirty="0" smtClean="0"/>
-              <a:t>/DTO</a:t>
-            </a:r>
-            <a:endParaRPr lang="zh-CN" altLang="en-US" dirty="0"/>
-          </a:p>
-        </p:txBody>
-      </p:sp>
-      <p:pic>
-        <p:nvPicPr>
-          <p:cNvPr id="15364" name="Picture 2"/>
-          <p:cNvPicPr>
-            <a:picLocks noChangeAspect="1" noChangeArrowheads="1"/>
-          </p:cNvPicPr>
-          <p:nvPr/>
-        </p:nvPicPr>
-        <p:blipFill>
-          <a:blip r:embed="rId2">
-            <a:extLst>
-              <a:ext uri="{28A0092B-C50C-407E-A947-70E740481C1C}">
-                <a14:useLocalDpi xmlns:a14="http://schemas.microsoft.com/office/drawing/2010/main" val="0"/>
-              </a:ext>
-            </a:extLst>
-          </a:blip>
-          <a:srcRect/>
-          <a:stretch>
-            <a:fillRect/>
-          </a:stretch>
-        </p:blipFill>
-        <p:spPr bwMode="auto">
-          <a:xfrm>
-            <a:off x="1676400" y="1600200"/>
-            <a:ext cx="5257800" cy="3048000"/>
-          </a:xfrm>
-          <a:prstGeom prst="rect">
-            <a:avLst/>
-          </a:prstGeom>
-          <a:noFill/>
-          <a:ln>
-            <a:noFill/>
-          </a:ln>
-          <a:extLst>
-            <a:ext uri="{909E8E84-426E-40DD-AFC4-6F175D3DCCD1}">
-              <a14:hiddenFill xmlns:a14="http://schemas.microsoft.com/office/drawing/2010/main">
-                <a:solidFill>
-                  <a:srgbClr val="FFFFFF"/>
-                </a:solidFill>
-              </a14:hiddenFill>
-            </a:ext>
-            <a:ext uri="{91240B29-F687-4F45-9708-019B960494DF}">
-              <a14:hiddenLine xmlns:a14="http://schemas.microsoft.com/office/drawing/2010/main" w="9525" algn="ctr">
-                <a:solidFill>
-                  <a:srgbClr val="000000"/>
-                </a:solidFill>
-                <a:miter lim="800000"/>
-                <a:headEnd/>
-                <a:tailEnd/>
-              </a14:hiddenLine>
-            </a:ext>
-          </a:extLst>
-        </p:spPr>
-      </p:pic>
-    </p:spTree>
-    <p:extLst>
-      <p:ext uri="{BB962C8B-B14F-4D97-AF65-F5344CB8AC3E}">
-        <p14:creationId xmlns:p14="http://schemas.microsoft.com/office/powerpoint/2010/main" val="1489402537"/>
-      </p:ext>
-    </p:extLst>
-  </p:cSld>
-  <p:clrMapOvr>
-    <a:masterClrMapping/>
-  </p:clrMapOvr>
-  <p:timing>
-    <p:tnLst>
-      <p:par>
-        <p:cTn id="1" dur="indefinite" restart="never" nodeType="tmRoot"/>
-      </p:par>
-    </p:tnLst>
-  </p:timing>
-</p:sld>
-</file>
-
-<file path=ppt/slides/slide11.xml><?xml version="1.0" encoding="utf-8"?>
-<p:sld xmlns:a="http://schemas.openxmlformats.org/drawingml/2006/main" xmlns:r="http://schemas.openxmlformats.org/officeDocument/2006/relationships" xmlns:p="http://schemas.openxmlformats.org/presentationml/2006/main">
-  <p:cSld>
-    <p:spTree>
-      <p:nvGrpSpPr>
-        <p:cNvPr id="1" name=""/>
-        <p:cNvGrpSpPr/>
-        <p:nvPr/>
-      </p:nvGrpSpPr>
-      <p:grpSpPr>
-        <a:xfrm>
-          <a:off x="0" y="0"/>
-          <a:ext cx="0" cy="0"/>
-          <a:chOff x="0" y="0"/>
-          <a:chExt cx="0" cy="0"/>
-        </a:xfrm>
-      </p:grpSpPr>
-      <p:sp>
-        <p:nvSpPr>
-          <p:cNvPr id="16386" name="内容占位符 1"/>
-          <p:cNvSpPr>
-            <a:spLocks noGrp="1"/>
-          </p:cNvSpPr>
-          <p:nvPr>
-            <p:ph idx="1"/>
-          </p:nvPr>
-        </p:nvSpPr>
-        <p:spPr>
-          <a:xfrm>
-            <a:off x="428625" y="1143000"/>
-            <a:ext cx="8429625" cy="4525963"/>
-          </a:xfrm>
-        </p:spPr>
-        <p:txBody>
-          <a:bodyPr/>
-          <a:lstStyle/>
-          <a:p>
-            <a:pPr eaLnBrk="1" hangingPunct="1"/>
-            <a:r>
-              <a:rPr lang="en-US" altLang="zh-CN" sz="2000" smtClean="0"/>
-              <a:t>http://www.mybatis.org/mybatis-3/sqlmap-xml.html</a:t>
-            </a:r>
-            <a:endParaRPr lang="zh-CN" altLang="en-US" sz="2000" smtClean="0"/>
-          </a:p>
-        </p:txBody>
-      </p:sp>
-      <p:sp>
-        <p:nvSpPr>
-          <p:cNvPr id="3" name="标题 2"/>
-          <p:cNvSpPr>
-            <a:spLocks noGrp="1"/>
-          </p:cNvSpPr>
-          <p:nvPr>
-            <p:ph type="title"/>
-          </p:nvPr>
-        </p:nvSpPr>
-        <p:spPr>
-          <a:xfrm>
-            <a:off x="34925" y="188913"/>
-            <a:ext cx="8229600" cy="571500"/>
-          </a:xfrm>
-        </p:spPr>
-        <p:txBody>
-          <a:bodyPr>
-            <a:normAutofit fontScale="90000"/>
-          </a:bodyPr>
-          <a:lstStyle/>
-          <a:p>
-            <a:pPr eaLnBrk="1" hangingPunct="1">
-              <a:defRPr/>
-            </a:pPr>
-            <a:r>
-              <a:rPr lang="en-US" altLang="zh-CN" dirty="0" err="1" smtClean="0"/>
-              <a:t>Mapper</a:t>
-            </a:r>
-            <a:r>
-              <a:rPr lang="zh-CN" altLang="en-US" dirty="0" smtClean="0"/>
-              <a:t>定义 </a:t>
-            </a:r>
-            <a:r>
-              <a:rPr lang="en-US" altLang="zh-CN" dirty="0" smtClean="0"/>
-              <a:t>– SQL</a:t>
-            </a:r>
-            <a:r>
-              <a:rPr lang="zh-CN" altLang="en-US" dirty="0" smtClean="0"/>
-              <a:t>语句映射</a:t>
-            </a:r>
-            <a:endParaRPr lang="zh-CN" altLang="en-US" dirty="0"/>
-          </a:p>
-        </p:txBody>
-      </p:sp>
-      <p:pic>
-        <p:nvPicPr>
-          <p:cNvPr id="16388" name="Picture 5"/>
-          <p:cNvPicPr>
-            <a:picLocks noChangeAspect="1" noChangeArrowheads="1"/>
-          </p:cNvPicPr>
-          <p:nvPr/>
-        </p:nvPicPr>
-        <p:blipFill>
-          <a:blip r:embed="rId2">
-            <a:extLst>
-              <a:ext uri="{28A0092B-C50C-407E-A947-70E740481C1C}">
-                <a14:useLocalDpi xmlns:a14="http://schemas.microsoft.com/office/drawing/2010/main" val="0"/>
-              </a:ext>
-            </a:extLst>
-          </a:blip>
-          <a:srcRect/>
-          <a:stretch>
-            <a:fillRect/>
-          </a:stretch>
-        </p:blipFill>
-        <p:spPr bwMode="auto">
-          <a:xfrm>
-            <a:off x="533400" y="1752600"/>
-            <a:ext cx="8083550" cy="4419600"/>
-          </a:xfrm>
-          <a:prstGeom prst="rect">
-            <a:avLst/>
-          </a:prstGeom>
-          <a:noFill/>
-          <a:ln>
-            <a:noFill/>
-          </a:ln>
-          <a:extLst>
-            <a:ext uri="{909E8E84-426E-40DD-AFC4-6F175D3DCCD1}">
-              <a14:hiddenFill xmlns:a14="http://schemas.microsoft.com/office/drawing/2010/main">
-                <a:solidFill>
-                  <a:srgbClr val="FFFFFF"/>
-                </a:solidFill>
-              </a14:hiddenFill>
-            </a:ext>
-            <a:ext uri="{91240B29-F687-4F45-9708-019B960494DF}">
-              <a14:hiddenLine xmlns:a14="http://schemas.microsoft.com/office/drawing/2010/main" w="9525" algn="ctr">
-                <a:solidFill>
-                  <a:srgbClr val="000000"/>
-                </a:solidFill>
-                <a:miter lim="800000"/>
-                <a:headEnd/>
-                <a:tailEnd/>
-              </a14:hiddenLine>
-            </a:ext>
-          </a:extLst>
-        </p:spPr>
-      </p:pic>
-    </p:spTree>
-    <p:extLst>
-      <p:ext uri="{BB962C8B-B14F-4D97-AF65-F5344CB8AC3E}">
-        <p14:creationId xmlns:p14="http://schemas.microsoft.com/office/powerpoint/2010/main" val="2643467321"/>
-      </p:ext>
-    </p:extLst>
-  </p:cSld>
-  <p:clrMapOvr>
-    <a:masterClrMapping/>
-  </p:clrMapOvr>
-  <p:timing>
-    <p:tnLst>
-      <p:par>
-        <p:cTn id="1" dur="indefinite" restart="never" nodeType="tmRoot"/>
-      </p:par>
-    </p:tnLst>
-  </p:timing>
-</p:sld>
-</file>
-
-<file path=ppt/slides/slide12.xml><?xml version="1.0" encoding="utf-8"?>
-<p:sld xmlns:a="http://schemas.openxmlformats.org/drawingml/2006/main" xmlns:r="http://schemas.openxmlformats.org/officeDocument/2006/relationships" xmlns:p="http://schemas.openxmlformats.org/presentationml/2006/main">
-  <p:cSld>
-    <p:spTree>
-      <p:nvGrpSpPr>
-        <p:cNvPr id="1" name=""/>
-        <p:cNvGrpSpPr/>
-        <p:nvPr/>
-      </p:nvGrpSpPr>
-      <p:grpSpPr>
-        <a:xfrm>
-          <a:off x="0" y="0"/>
-          <a:ext cx="0" cy="0"/>
-          <a:chOff x="0" y="0"/>
-          <a:chExt cx="0" cy="0"/>
-        </a:xfrm>
-      </p:grpSpPr>
-      <p:sp>
-        <p:nvSpPr>
-          <p:cNvPr id="17410" name="内容占位符 1"/>
-          <p:cNvSpPr>
-            <a:spLocks noGrp="1"/>
-          </p:cNvSpPr>
-          <p:nvPr>
-            <p:ph idx="1"/>
-          </p:nvPr>
-        </p:nvSpPr>
-        <p:spPr>
-          <a:xfrm>
-            <a:off x="428625" y="1143000"/>
-            <a:ext cx="8429625" cy="4525963"/>
-          </a:xfrm>
-        </p:spPr>
-        <p:txBody>
-          <a:bodyPr/>
-          <a:lstStyle/>
-          <a:p>
-            <a:pPr eaLnBrk="1" hangingPunct="1"/>
-            <a:endParaRPr lang="zh-CN" altLang="en-US" smtClean="0"/>
-          </a:p>
-        </p:txBody>
-      </p:sp>
-      <p:sp>
-        <p:nvSpPr>
-          <p:cNvPr id="3" name="标题 2"/>
-          <p:cNvSpPr>
-            <a:spLocks noGrp="1"/>
-          </p:cNvSpPr>
-          <p:nvPr>
-            <p:ph type="title"/>
-          </p:nvPr>
-        </p:nvSpPr>
-        <p:spPr>
-          <a:xfrm>
-            <a:off x="34925" y="188913"/>
-            <a:ext cx="8229600" cy="571500"/>
-          </a:xfrm>
-        </p:spPr>
-        <p:txBody>
-          <a:bodyPr>
-            <a:normAutofit fontScale="90000"/>
-          </a:bodyPr>
-          <a:lstStyle/>
-          <a:p>
-            <a:pPr eaLnBrk="1" hangingPunct="1">
-              <a:defRPr/>
-            </a:pPr>
-            <a:r>
-              <a:rPr lang="en-US" altLang="zh-CN" dirty="0" err="1" smtClean="0"/>
-              <a:t>Mapper</a:t>
-            </a:r>
-            <a:r>
-              <a:rPr lang="zh-CN" altLang="en-US" dirty="0" smtClean="0"/>
-              <a:t>定义 </a:t>
-            </a:r>
-            <a:r>
-              <a:rPr lang="en-US" altLang="zh-CN" dirty="0" smtClean="0"/>
-              <a:t>– </a:t>
-            </a:r>
-            <a:r>
-              <a:rPr lang="en-US" altLang="zh-CN" dirty="0" err="1" smtClean="0"/>
-              <a:t>ResultSet</a:t>
-            </a:r>
-            <a:r>
-              <a:rPr lang="en-US" altLang="zh-CN" dirty="0" smtClean="0"/>
-              <a:t> Map</a:t>
-            </a:r>
-            <a:endParaRPr lang="zh-CN" altLang="en-US" dirty="0"/>
-          </a:p>
-        </p:txBody>
-      </p:sp>
-      <p:pic>
-        <p:nvPicPr>
-          <p:cNvPr id="17412" name="Picture 3"/>
-          <p:cNvPicPr>
-            <a:picLocks noChangeAspect="1" noChangeArrowheads="1"/>
-          </p:cNvPicPr>
-          <p:nvPr/>
-        </p:nvPicPr>
-        <p:blipFill>
-          <a:blip r:embed="rId2">
-            <a:extLst>
-              <a:ext uri="{28A0092B-C50C-407E-A947-70E740481C1C}">
-                <a14:useLocalDpi xmlns:a14="http://schemas.microsoft.com/office/drawing/2010/main" val="0"/>
-              </a:ext>
-            </a:extLst>
-          </a:blip>
-          <a:srcRect/>
-          <a:stretch>
-            <a:fillRect/>
-          </a:stretch>
-        </p:blipFill>
-        <p:spPr bwMode="auto">
-          <a:xfrm>
-            <a:off x="381000" y="1066800"/>
-            <a:ext cx="7467600" cy="5029200"/>
-          </a:xfrm>
-          <a:prstGeom prst="rect">
-            <a:avLst/>
-          </a:prstGeom>
-          <a:noFill/>
-          <a:ln>
-            <a:noFill/>
-          </a:ln>
-          <a:extLst>
-            <a:ext uri="{909E8E84-426E-40DD-AFC4-6F175D3DCCD1}">
-              <a14:hiddenFill xmlns:a14="http://schemas.microsoft.com/office/drawing/2010/main">
-                <a:solidFill>
-                  <a:srgbClr val="FFFFFF"/>
-                </a:solidFill>
-              </a14:hiddenFill>
-            </a:ext>
-            <a:ext uri="{91240B29-F687-4F45-9708-019B960494DF}">
-              <a14:hiddenLine xmlns:a14="http://schemas.microsoft.com/office/drawing/2010/main" w="9525" algn="ctr">
-                <a:solidFill>
-                  <a:srgbClr val="000000"/>
-                </a:solidFill>
-                <a:miter lim="800000"/>
-                <a:headEnd/>
-                <a:tailEnd/>
-              </a14:hiddenLine>
-            </a:ext>
-          </a:extLst>
-        </p:spPr>
-      </p:pic>
-    </p:spTree>
-    <p:extLst>
-      <p:ext uri="{BB962C8B-B14F-4D97-AF65-F5344CB8AC3E}">
-        <p14:creationId xmlns:p14="http://schemas.microsoft.com/office/powerpoint/2010/main" val="1725256987"/>
-      </p:ext>
-    </p:extLst>
-  </p:cSld>
-  <p:clrMapOvr>
-    <a:masterClrMapping/>
-  </p:clrMapOvr>
-  <p:timing>
-    <p:tnLst>
-      <p:par>
-        <p:cTn id="1" dur="indefinite" restart="never" nodeType="tmRoot"/>
-      </p:par>
-    </p:tnLst>
-  </p:timing>
-</p:sld>
-</file>
-
-<file path=ppt/slides/slide13.xml><?xml version="1.0" encoding="utf-8"?>
-<p:sld xmlns:a="http://schemas.openxmlformats.org/drawingml/2006/main" xmlns:r="http://schemas.openxmlformats.org/officeDocument/2006/relationships" xmlns:p="http://schemas.openxmlformats.org/presentationml/2006/main">
-  <p:cSld>
-    <p:spTree>
-      <p:nvGrpSpPr>
-        <p:cNvPr id="1" name=""/>
-        <p:cNvGrpSpPr/>
-        <p:nvPr/>
-      </p:nvGrpSpPr>
-      <p:grpSpPr>
-        <a:xfrm>
-          <a:off x="0" y="0"/>
-          <a:ext cx="0" cy="0"/>
-          <a:chOff x="0" y="0"/>
-          <a:chExt cx="0" cy="0"/>
-        </a:xfrm>
-      </p:grpSpPr>
-      <p:sp>
-        <p:nvSpPr>
-          <p:cNvPr id="18434" name="内容占位符 1"/>
-          <p:cNvSpPr>
-            <a:spLocks noGrp="1"/>
-          </p:cNvSpPr>
-          <p:nvPr>
-            <p:ph idx="1"/>
-          </p:nvPr>
-        </p:nvSpPr>
-        <p:spPr>
-          <a:xfrm>
-            <a:off x="428625" y="1143000"/>
-            <a:ext cx="8429625" cy="4525963"/>
-          </a:xfrm>
-        </p:spPr>
-        <p:txBody>
-          <a:bodyPr/>
-          <a:lstStyle/>
-          <a:p>
-            <a:pPr eaLnBrk="1" hangingPunct="1"/>
-            <a:r>
-              <a:rPr lang="en-US" altLang="zh-CN" sz="2400" smtClean="0"/>
-              <a:t>http://www.mybatis.org/mybatis-3/java-api.html</a:t>
-            </a:r>
-            <a:endParaRPr lang="zh-CN" altLang="en-US" sz="2400" smtClean="0"/>
-          </a:p>
-        </p:txBody>
-      </p:sp>
-      <p:sp>
-        <p:nvSpPr>
-          <p:cNvPr id="3" name="标题 2"/>
-          <p:cNvSpPr>
-            <a:spLocks noGrp="1"/>
-          </p:cNvSpPr>
-          <p:nvPr>
-            <p:ph type="title"/>
-          </p:nvPr>
-        </p:nvSpPr>
-        <p:spPr>
-          <a:xfrm>
-            <a:off x="34925" y="188913"/>
-            <a:ext cx="8229600" cy="571500"/>
-          </a:xfrm>
-        </p:spPr>
-        <p:txBody>
-          <a:bodyPr>
-            <a:normAutofit fontScale="90000"/>
-          </a:bodyPr>
-          <a:lstStyle/>
-          <a:p>
-            <a:pPr eaLnBrk="1" hangingPunct="1">
-              <a:defRPr/>
-            </a:pPr>
-            <a:r>
-              <a:rPr lang="en-US" altLang="zh-CN" dirty="0" smtClean="0"/>
-              <a:t>Java</a:t>
-            </a:r>
-            <a:r>
-              <a:rPr lang="zh-CN" altLang="en-US" dirty="0" smtClean="0"/>
-              <a:t>操作</a:t>
-            </a:r>
-            <a:endParaRPr lang="zh-CN" altLang="en-US" dirty="0"/>
-          </a:p>
-        </p:txBody>
-      </p:sp>
-      <p:pic>
-        <p:nvPicPr>
-          <p:cNvPr id="18436" name="Picture 5"/>
-          <p:cNvPicPr>
-            <a:picLocks noChangeAspect="1" noChangeArrowheads="1"/>
-          </p:cNvPicPr>
-          <p:nvPr/>
-        </p:nvPicPr>
-        <p:blipFill>
-          <a:blip r:embed="rId2">
-            <a:extLst>
-              <a:ext uri="{28A0092B-C50C-407E-A947-70E740481C1C}">
-                <a14:useLocalDpi xmlns:a14="http://schemas.microsoft.com/office/drawing/2010/main" val="0"/>
-              </a:ext>
-            </a:extLst>
-          </a:blip>
-          <a:srcRect/>
-          <a:stretch>
-            <a:fillRect/>
-          </a:stretch>
-        </p:blipFill>
-        <p:spPr bwMode="auto">
-          <a:xfrm>
-            <a:off x="685800" y="1981200"/>
-            <a:ext cx="8001000" cy="3276600"/>
-          </a:xfrm>
-          <a:prstGeom prst="rect">
-            <a:avLst/>
-          </a:prstGeom>
-          <a:noFill/>
-          <a:ln>
-            <a:noFill/>
-          </a:ln>
-          <a:extLst>
-            <a:ext uri="{909E8E84-426E-40DD-AFC4-6F175D3DCCD1}">
-              <a14:hiddenFill xmlns:a14="http://schemas.microsoft.com/office/drawing/2010/main">
-                <a:solidFill>
-                  <a:srgbClr val="FFFFFF"/>
-                </a:solidFill>
-              </a14:hiddenFill>
-            </a:ext>
-            <a:ext uri="{91240B29-F687-4F45-9708-019B960494DF}">
-              <a14:hiddenLine xmlns:a14="http://schemas.microsoft.com/office/drawing/2010/main" w="9525" algn="ctr">
-                <a:solidFill>
-                  <a:srgbClr val="000000"/>
-                </a:solidFill>
-                <a:miter lim="800000"/>
-                <a:headEnd/>
-                <a:tailEnd/>
-              </a14:hiddenLine>
-            </a:ext>
-          </a:extLst>
-        </p:spPr>
-      </p:pic>
-    </p:spTree>
-    <p:extLst>
-      <p:ext uri="{BB962C8B-B14F-4D97-AF65-F5344CB8AC3E}">
-        <p14:creationId xmlns:p14="http://schemas.microsoft.com/office/powerpoint/2010/main" val="3874245240"/>
-      </p:ext>
-    </p:extLst>
-  </p:cSld>
-  <p:clrMapOvr>
-    <a:masterClrMapping/>
-  </p:clrMapOvr>
-  <p:timing>
-    <p:tnLst>
-      <p:par>
-        <p:cTn id="1" dur="indefinite" restart="never" nodeType="tmRoot"/>
-      </p:par>
-    </p:tnLst>
-  </p:timing>
-</p:sld>
-</file>
-
-<file path=ppt/slides/slide14.xml><?xml version="1.0" encoding="utf-8"?>
-<p:sld xmlns:a="http://schemas.openxmlformats.org/drawingml/2006/main" xmlns:r="http://schemas.openxmlformats.org/officeDocument/2006/relationships" xmlns:p="http://schemas.openxmlformats.org/presentationml/2006/main">
-  <p:cSld>
-    <p:spTree>
-      <p:nvGrpSpPr>
-        <p:cNvPr id="1" name=""/>
-        <p:cNvGrpSpPr/>
-        <p:nvPr/>
-      </p:nvGrpSpPr>
-      <p:grpSpPr>
-        <a:xfrm>
-          <a:off x="0" y="0"/>
-          <a:ext cx="0" cy="0"/>
-          <a:chOff x="0" y="0"/>
-          <a:chExt cx="0" cy="0"/>
-        </a:xfrm>
-      </p:grpSpPr>
-      <p:sp>
-        <p:nvSpPr>
           <p:cNvPr id="19458" name="内容占位符 1"/>
           <p:cNvSpPr>
             <a:spLocks noGrp="1"/>
@@ -40704,7 +40037,7 @@
 </p:sld>
 </file>
 
-<file path=ppt/slides/slide15.xml><?xml version="1.0" encoding="utf-8"?>
+<file path=ppt/slides/slide11.xml><?xml version="1.0" encoding="utf-8"?>
 <p:sld xmlns:a="http://schemas.openxmlformats.org/drawingml/2006/main" xmlns:r="http://schemas.openxmlformats.org/officeDocument/2006/relationships" xmlns:p="http://schemas.openxmlformats.org/presentationml/2006/main">
   <p:cSld>
     <p:spTree>
@@ -40915,7 +40248,7 @@
 </p:sld>
 </file>
 
-<file path=ppt/slides/slide16.xml><?xml version="1.0" encoding="utf-8"?>
+<file path=ppt/slides/slide12.xml><?xml version="1.0" encoding="utf-8"?>
 <p:sld xmlns:a="http://schemas.openxmlformats.org/drawingml/2006/main" xmlns:r="http://schemas.openxmlformats.org/officeDocument/2006/relationships" xmlns:p="http://schemas.openxmlformats.org/presentationml/2006/main">
   <p:cSld>
     <p:spTree>
@@ -41017,62 +40350,8 @@
         </p:blipFill>
         <p:spPr bwMode="auto">
           <a:xfrm>
-            <a:off x="152400" y="1524000"/>
-            <a:ext cx="8304213" cy="1143000"/>
-          </a:xfrm>
-          <a:prstGeom prst="rect">
-            <a:avLst/>
-          </a:prstGeom>
-          <a:noFill/>
-          <a:ln>
-            <a:noFill/>
-          </a:ln>
-          <a:extLst>
-            <a:ext uri="{909E8E84-426E-40DD-AFC4-6F175D3DCCD1}">
-              <a14:hiddenFill xmlns:a14="http://schemas.microsoft.com/office/drawing/2010/main">
-                <a:solidFill>
-                  <a:srgbClr val="FFFFFF"/>
-                </a:solidFill>
-              </a14:hiddenFill>
-            </a:ext>
-            <a:ext uri="{91240B29-F687-4F45-9708-019B960494DF}">
-              <a14:hiddenLine xmlns:a14="http://schemas.microsoft.com/office/drawing/2010/main" w="9525" algn="ctr">
-                <a:solidFill>
-                  <a:srgbClr val="000000"/>
-                </a:solidFill>
-                <a:miter lim="800000"/>
-                <a:headEnd/>
-                <a:tailEnd/>
-              </a14:hiddenLine>
-            </a:ext>
-          </a:extLst>
-        </p:spPr>
-      </p:pic>
-      <p:pic>
-        <p:nvPicPr>
-          <p:cNvPr id="21509" name="Picture 5"/>
-          <p:cNvPicPr>
-            <a:picLocks noChangeAspect="1" noChangeArrowheads="1"/>
-          </p:cNvPicPr>
-          <p:nvPr/>
-        </p:nvPicPr>
-        <p:blipFill>
-          <a:blip r:embed="rId3">
-            <a:extLst>
-              <a:ext uri="{28A0092B-C50C-407E-A947-70E740481C1C}">
-                <a14:useLocalDpi xmlns:a14="http://schemas.microsoft.com/office/drawing/2010/main" val="0"/>
-              </a:ext>
-            </a:extLst>
-          </a:blip>
-          <a:srcRect/>
-          <a:stretch>
-            <a:fillRect/>
-          </a:stretch>
-        </p:blipFill>
-        <p:spPr bwMode="auto">
-          <a:xfrm>
-            <a:off x="381000" y="2514600"/>
-            <a:ext cx="4010025" cy="857250"/>
+            <a:off x="539552" y="1772816"/>
+            <a:ext cx="8304213" cy="2016224"/>
           </a:xfrm>
           <a:prstGeom prst="rect">
             <a:avLst/>
@@ -41122,190 +40401,7 @@
 </p:sld>
 </file>
 
-<file path=ppt/slides/slide17.xml><?xml version="1.0" encoding="utf-8"?>
-<p:sld xmlns:a="http://schemas.openxmlformats.org/drawingml/2006/main" xmlns:r="http://schemas.openxmlformats.org/officeDocument/2006/relationships" xmlns:p="http://schemas.openxmlformats.org/presentationml/2006/main">
-  <p:cSld>
-    <p:spTree>
-      <p:nvGrpSpPr>
-        <p:cNvPr id="1" name=""/>
-        <p:cNvGrpSpPr/>
-        <p:nvPr/>
-      </p:nvGrpSpPr>
-      <p:grpSpPr>
-        <a:xfrm>
-          <a:off x="0" y="0"/>
-          <a:ext cx="0" cy="0"/>
-          <a:chOff x="0" y="0"/>
-          <a:chExt cx="0" cy="0"/>
-        </a:xfrm>
-      </p:grpSpPr>
-      <p:sp>
-        <p:nvSpPr>
-          <p:cNvPr id="22530" name="内容占位符 1"/>
-          <p:cNvSpPr>
-            <a:spLocks noGrp="1"/>
-          </p:cNvSpPr>
-          <p:nvPr>
-            <p:ph idx="1"/>
-          </p:nvPr>
-        </p:nvSpPr>
-        <p:spPr>
-          <a:xfrm>
-            <a:off x="428625" y="1143000"/>
-            <a:ext cx="8429625" cy="4525963"/>
-          </a:xfrm>
-        </p:spPr>
-        <p:txBody>
-          <a:bodyPr/>
-          <a:lstStyle/>
-          <a:p>
-            <a:pPr eaLnBrk="1" hangingPunct="1"/>
-            <a:r>
-              <a:rPr lang="zh-CN" altLang="en-US" sz="2400" smtClean="0"/>
-              <a:t>在配置文件中就不要使用</a:t>
-            </a:r>
-            <a:r>
-              <a:rPr lang="en-US" altLang="zh-CN" sz="2400" smtClean="0"/>
-              <a:t>&lt;mapper&gt;</a:t>
-            </a:r>
-            <a:endParaRPr lang="zh-CN" altLang="en-US" sz="2400" smtClean="0"/>
-          </a:p>
-        </p:txBody>
-      </p:sp>
-      <p:sp>
-        <p:nvSpPr>
-          <p:cNvPr id="22531" name="标题 2"/>
-          <p:cNvSpPr>
-            <a:spLocks noGrp="1"/>
-          </p:cNvSpPr>
-          <p:nvPr>
-            <p:ph type="title"/>
-          </p:nvPr>
-        </p:nvSpPr>
-        <p:spPr bwMode="auto">
-          <a:xfrm>
-            <a:off x="34925" y="188913"/>
-            <a:ext cx="8229600" cy="571500"/>
-          </a:xfrm>
-        </p:spPr>
-        <p:txBody>
-          <a:bodyPr wrap="square" numCol="1" anchorCtr="0" compatLnSpc="1">
-            <a:prstTxWarp prst="textNoShape">
-              <a:avLst/>
-            </a:prstTxWarp>
-            <a:normAutofit fontScale="90000"/>
-          </a:bodyPr>
-          <a:lstStyle/>
-          <a:p>
-            <a:pPr marL="342900" indent="-342900" eaLnBrk="1" hangingPunct="1"/>
-            <a:r>
-              <a:rPr lang="zh-CN" altLang="en-US" smtClean="0">
-                <a:effectLst/>
-              </a:rPr>
-              <a:t>将</a:t>
-            </a:r>
-            <a:r>
-              <a:rPr lang="en-US" altLang="zh-CN" smtClean="0">
-                <a:effectLst/>
-              </a:rPr>
-              <a:t>SQL</a:t>
-            </a:r>
-            <a:r>
-              <a:rPr lang="zh-CN" altLang="en-US" smtClean="0">
-                <a:effectLst/>
-              </a:rPr>
-              <a:t>定义在</a:t>
-            </a:r>
-            <a:r>
-              <a:rPr lang="en-US" altLang="zh-CN" smtClean="0">
-                <a:effectLst/>
-              </a:rPr>
-              <a:t>Java</a:t>
-            </a:r>
-            <a:r>
-              <a:rPr lang="zh-CN" altLang="en-US" smtClean="0">
-                <a:effectLst/>
-              </a:rPr>
-              <a:t>接口上</a:t>
-            </a:r>
-          </a:p>
-        </p:txBody>
-      </p:sp>
-      <p:pic>
-        <p:nvPicPr>
-          <p:cNvPr id="22532" name="Picture 2"/>
-          <p:cNvPicPr>
-            <a:picLocks noChangeAspect="1" noChangeArrowheads="1"/>
-          </p:cNvPicPr>
-          <p:nvPr/>
-        </p:nvPicPr>
-        <p:blipFill>
-          <a:blip r:embed="rId2">
-            <a:extLst>
-              <a:ext uri="{28A0092B-C50C-407E-A947-70E740481C1C}">
-                <a14:useLocalDpi xmlns:a14="http://schemas.microsoft.com/office/drawing/2010/main" val="0"/>
-              </a:ext>
-            </a:extLst>
-          </a:blip>
-          <a:srcRect/>
-          <a:stretch>
-            <a:fillRect/>
-          </a:stretch>
-        </p:blipFill>
-        <p:spPr bwMode="auto">
-          <a:xfrm>
-            <a:off x="914400" y="1752600"/>
-            <a:ext cx="7664450" cy="4191000"/>
-          </a:xfrm>
-          <a:prstGeom prst="rect">
-            <a:avLst/>
-          </a:prstGeom>
-          <a:noFill/>
-          <a:ln>
-            <a:noFill/>
-          </a:ln>
-          <a:extLst>
-            <a:ext uri="{909E8E84-426E-40DD-AFC4-6F175D3DCCD1}">
-              <a14:hiddenFill xmlns:a14="http://schemas.microsoft.com/office/drawing/2010/main">
-                <a:solidFill>
-                  <a:srgbClr val="FFFFFF"/>
-                </a:solidFill>
-              </a14:hiddenFill>
-            </a:ext>
-            <a:ext uri="{91240B29-F687-4F45-9708-019B960494DF}">
-              <a14:hiddenLine xmlns:a14="http://schemas.microsoft.com/office/drawing/2010/main" w="9525" algn="ctr">
-                <a:solidFill>
-                  <a:srgbClr val="000000"/>
-                </a:solidFill>
-                <a:miter lim="800000"/>
-                <a:headEnd/>
-                <a:tailEnd/>
-              </a14:hiddenLine>
-            </a:ext>
-          </a:extLst>
-        </p:spPr>
-      </p:pic>
-    </p:spTree>
-    <p:extLst>
-      <p:ext uri="{BB962C8B-B14F-4D97-AF65-F5344CB8AC3E}">
-        <p14:creationId xmlns:p14="http://schemas.microsoft.com/office/powerpoint/2010/main" val="2662015227"/>
-      </p:ext>
-    </p:extLst>
-  </p:cSld>
-  <p:clrMapOvr>
-    <a:masterClrMapping/>
-  </p:clrMapOvr>
-  <p:timing>
-    <p:tnLst>
-      <p:par>
-        <p:cTn id="1" dur="indefinite" restart="never" nodeType="tmRoot"/>
-      </p:par>
-    </p:tnLst>
-  </p:timing>
-</p:sld>
-</file>
-
-<file path=ppt/slides/slide18.xml><?xml version="1.0" encoding="utf-8"?>
+<file path=ppt/slides/slide13.xml><?xml version="1.0" encoding="utf-8"?>
 <p:sld xmlns:a="http://schemas.openxmlformats.org/drawingml/2006/main" xmlns:r="http://schemas.openxmlformats.org/officeDocument/2006/relationships" xmlns:p="http://schemas.openxmlformats.org/presentationml/2006/main">
   <p:cSld>
     <p:spTree>
@@ -41339,49 +40435,52 @@
           </a:xfrm>
         </p:spPr>
         <p:txBody>
-          <a:bodyPr/>
+          <a:bodyPr>
+            <a:normAutofit/>
+          </a:bodyPr>
           <a:lstStyle/>
           <a:p>
             <a:pPr eaLnBrk="1" hangingPunct="1"/>
             <a:r>
-              <a:rPr lang="en-US" altLang="zh-CN" sz="2400" smtClean="0"/>
+              <a:rPr lang="en-US" altLang="zh-CN" dirty="0" smtClean="0"/>
               <a:t>POJO</a:t>
             </a:r>
           </a:p>
           <a:p>
             <a:pPr eaLnBrk="1" hangingPunct="1"/>
             <a:r>
-              <a:rPr lang="zh-CN" altLang="en-US" sz="2400" smtClean="0"/>
+              <a:rPr lang="zh-CN" altLang="en-US" dirty="0" smtClean="0"/>
               <a:t>将</a:t>
             </a:r>
             <a:r>
-              <a:rPr lang="en-US" altLang="zh-CN" sz="2400" smtClean="0"/>
+              <a:rPr lang="en-US" altLang="zh-CN" dirty="0" smtClean="0"/>
               <a:t>Mapper</a:t>
             </a:r>
             <a:r>
-              <a:rPr lang="zh-CN" altLang="en-US" sz="2400" smtClean="0"/>
+              <a:rPr lang="zh-CN" altLang="en-US" dirty="0" smtClean="0"/>
               <a:t>接口注入到我们的程序逻辑中，无需使用</a:t>
             </a:r>
             <a:r>
-              <a:rPr lang="en-US" altLang="zh-CN" sz="2400" smtClean="0"/>
+              <a:rPr lang="en-US" altLang="zh-CN" dirty="0" err="1" smtClean="0"/>
               <a:t>SqlSession</a:t>
             </a:r>
+            <a:endParaRPr lang="en-US" altLang="zh-CN" dirty="0" smtClean="0"/>
           </a:p>
           <a:p>
             <a:pPr eaLnBrk="1" hangingPunct="1"/>
             <a:r>
-              <a:rPr lang="zh-CN" altLang="en-US" sz="2400" smtClean="0"/>
+              <a:rPr lang="zh-CN" altLang="en-US" dirty="0" smtClean="0"/>
               <a:t>使用</a:t>
             </a:r>
             <a:r>
-              <a:rPr lang="en-US" altLang="zh-CN" sz="2400" smtClean="0"/>
+              <a:rPr lang="en-US" altLang="zh-CN" dirty="0" smtClean="0"/>
               <a:t>Spring</a:t>
             </a:r>
             <a:r>
-              <a:rPr lang="zh-CN" altLang="en-US" sz="2400" smtClean="0"/>
+              <a:rPr lang="zh-CN" altLang="en-US" dirty="0" smtClean="0"/>
               <a:t>的事务管理</a:t>
             </a:r>
-            <a:endParaRPr lang="en-US" altLang="zh-CN" sz="2400" smtClean="0"/>
+            <a:endParaRPr lang="en-US" altLang="zh-CN" dirty="0" smtClean="0"/>
           </a:p>
         </p:txBody>
       </p:sp>
@@ -41442,7 +40541,7 @@
 </p:sld>
 </file>
 
-<file path=ppt/slides/slide19.xml><?xml version="1.0" encoding="utf-8"?>
+<file path=ppt/slides/slide14.xml><?xml version="1.0" encoding="utf-8"?>
 <p:sld xmlns:a="http://schemas.openxmlformats.org/drawingml/2006/main" xmlns:r="http://schemas.openxmlformats.org/officeDocument/2006/relationships" xmlns:p="http://schemas.openxmlformats.org/presentationml/2006/main">
   <p:cSld>
     <p:spTree>
@@ -41461,7 +40560,7 @@
       </p:grpSpPr>
       <p:sp>
         <p:nvSpPr>
-          <p:cNvPr id="24578" name="内容占位符 1"/>
+          <p:cNvPr id="26626" name="内容占位符 1"/>
           <p:cNvSpPr>
             <a:spLocks noGrp="1"/>
           </p:cNvSpPr>
@@ -41476,11 +40575,60 @@
           </a:xfrm>
         </p:spPr>
         <p:txBody>
-          <a:bodyPr/>
+          <a:bodyPr>
+            <a:normAutofit/>
+          </a:bodyPr>
           <a:lstStyle/>
           <a:p>
+            <a:r>
+              <a:rPr lang="en-US" altLang="zh-CN" sz="2800" dirty="0" smtClean="0"/>
+              <a:t>web.xml</a:t>
+            </a:r>
+            <a:endParaRPr lang="en-US" altLang="zh-CN" sz="2800" dirty="0" smtClean="0"/>
+          </a:p>
+          <a:p>
             <a:pPr eaLnBrk="1" hangingPunct="1"/>
-            <a:endParaRPr lang="zh-CN" altLang="en-US" smtClean="0"/>
+            <a:r>
+              <a:rPr lang="zh-CN" altLang="en-US" sz="2800" dirty="0" smtClean="0"/>
+              <a:t>创建</a:t>
+            </a:r>
+            <a:r>
+              <a:rPr lang="en-US" altLang="zh-CN" sz="2800" dirty="0" err="1" smtClean="0"/>
+              <a:t>DataSource</a:t>
+            </a:r>
+            <a:r>
+              <a:rPr lang="zh-CN" altLang="en-US" sz="2800" dirty="0" smtClean="0"/>
+              <a:t>和</a:t>
+            </a:r>
+            <a:r>
+              <a:rPr lang="en-US" altLang="zh-CN" sz="2800" dirty="0" err="1" smtClean="0"/>
+              <a:t>SqlSessionFactoryBean</a:t>
+            </a:r>
+            <a:endParaRPr lang="en-US" altLang="zh-CN" sz="2800" dirty="0" smtClean="0"/>
+          </a:p>
+          <a:p>
+            <a:pPr eaLnBrk="1" hangingPunct="1"/>
+            <a:r>
+              <a:rPr lang="zh-CN" altLang="en-US" sz="2800" dirty="0" smtClean="0"/>
+              <a:t>扫描</a:t>
+            </a:r>
+            <a:r>
+              <a:rPr lang="en-US" altLang="zh-CN" sz="2800" dirty="0" smtClean="0"/>
+              <a:t>mappers</a:t>
+            </a:r>
+            <a:r>
+              <a:rPr lang="zh-CN" altLang="en-US" sz="2800" dirty="0" smtClean="0"/>
+              <a:t>所在的</a:t>
+            </a:r>
+            <a:r>
+              <a:rPr lang="zh-CN" altLang="en-US" sz="2800" dirty="0" smtClean="0"/>
+              <a:t>包</a:t>
+            </a:r>
+            <a:endParaRPr lang="en-US" altLang="zh-CN" sz="2800" dirty="0" smtClean="0"/>
+          </a:p>
+          <a:p>
+            <a:pPr eaLnBrk="1" hangingPunct="1"/>
+            <a:endParaRPr lang="en-US" altLang="zh-CN" sz="2800" dirty="0" smtClean="0"/>
           </a:p>
         </p:txBody>
       </p:sp>
@@ -41511,74 +40659,57 @@
             </a:pPr>
             <a:r>
               <a:rPr lang="en-US" altLang="zh-CN" dirty="0" smtClean="0"/>
-              <a:t>Maven</a:t>
+              <a:t>Spring</a:t>
             </a:r>
             <a:r>
               <a:rPr lang="zh-CN" altLang="en-US" dirty="0" smtClean="0"/>
-              <a:t>依赖</a:t>
+              <a:t>配置</a:t>
             </a:r>
             <a:endParaRPr lang="zh-CN" altLang="en-US" dirty="0"/>
           </a:p>
         </p:txBody>
       </p:sp>
-      <p:pic>
-        <p:nvPicPr>
-          <p:cNvPr id="24580" name="Picture 2"/>
-          <p:cNvPicPr>
-            <a:picLocks noChangeAspect="1" noChangeArrowheads="1"/>
-          </p:cNvPicPr>
-          <p:nvPr/>
-        </p:nvPicPr>
-        <p:blipFill>
-          <a:blip r:embed="rId2">
-            <a:extLst>
-              <a:ext uri="{28A0092B-C50C-407E-A947-70E740481C1C}">
-                <a14:useLocalDpi xmlns:a14="http://schemas.microsoft.com/office/drawing/2010/main" val="0"/>
-              </a:ext>
-            </a:extLst>
-          </a:blip>
-          <a:srcRect/>
-          <a:stretch>
-            <a:fillRect/>
-          </a:stretch>
-        </p:blipFill>
-        <p:spPr bwMode="auto">
-          <a:xfrm>
-            <a:off x="457200" y="1295400"/>
-            <a:ext cx="7113588" cy="2438400"/>
-          </a:xfrm>
-          <a:prstGeom prst="rect">
-            <a:avLst/>
-          </a:prstGeom>
-          <a:noFill/>
-          <a:ln>
-            <a:noFill/>
-          </a:ln>
-          <a:extLst>
-            <a:ext uri="{909E8E84-426E-40DD-AFC4-6F175D3DCCD1}">
-              <a14:hiddenFill xmlns:a14="http://schemas.microsoft.com/office/drawing/2010/main">
-                <a:solidFill>
-                  <a:srgbClr val="FFFFFF"/>
-                </a:solidFill>
-              </a14:hiddenFill>
-            </a:ext>
-            <a:ext uri="{91240B29-F687-4F45-9708-019B960494DF}">
-              <a14:hiddenLine xmlns:a14="http://schemas.microsoft.com/office/drawing/2010/main" w="9525" algn="ctr">
-                <a:solidFill>
-                  <a:srgbClr val="000000"/>
-                </a:solidFill>
-                <a:miter lim="800000"/>
-                <a:headEnd/>
-                <a:tailEnd/>
-              </a14:hiddenLine>
-            </a:ext>
-          </a:extLst>
-        </p:spPr>
-      </p:pic>
     </p:spTree>
     <p:extLst>
       <p:ext uri="{BB962C8B-B14F-4D97-AF65-F5344CB8AC3E}">
-        <p14:creationId xmlns:p14="http://schemas.microsoft.com/office/powerpoint/2010/main" val="2352240488"/>
+        <p14:creationId xmlns:p14="http://schemas.microsoft.com/office/powerpoint/2010/main" val="1516148629"/>
+      </p:ext>
+    </p:extLst>
+  </p:cSld>
+  <p:clrMapOvr>
+    <a:masterClrMapping/>
+  </p:clrMapOvr>
+  <p:timing>
+    <p:tnLst>
+      <p:par>
+        <p:cTn id="1" dur="indefinite" restart="never" nodeType="tmRoot"/>
+      </p:par>
+    </p:tnLst>
+  </p:timing>
+</p:sld>
+</file>
+
+<file path=ppt/slides/slide15.xml><?xml version="1.0" encoding="utf-8"?>
+<p:sld xmlns:a="http://schemas.openxmlformats.org/drawingml/2006/main" xmlns:r="http://schemas.openxmlformats.org/officeDocument/2006/relationships" xmlns:p="http://schemas.openxmlformats.org/presentationml/2006/main">
+  <p:cSld>
+    <p:spTree>
+      <p:nvGrpSpPr>
+        <p:cNvPr id="1" name=""/>
+        <p:cNvGrpSpPr/>
+        <p:nvPr/>
+      </p:nvGrpSpPr>
+      <p:grpSpPr>
+        <a:xfrm>
+          <a:off x="0" y="0"/>
+          <a:ext cx="0" cy="0"/>
+          <a:chOff x="0" y="0"/>
+          <a:chExt cx="0" cy="0"/>
+        </a:xfrm>
+      </p:grpSpPr>
+    </p:spTree>
+    <p:extLst>
+      <p:ext uri="{BB962C8B-B14F-4D97-AF65-F5344CB8AC3E}">
+        <p14:creationId xmlns:p14="http://schemas.microsoft.com/office/powerpoint/2010/main" val="3418871224"/>
       </p:ext>
     </p:extLst>
   </p:cSld>
@@ -41702,1548 +40833,6 @@
       </p:par>
     </p:tnLst>
   </p:timing>
-</p:sld>
-</file>
-
-<file path=ppt/slides/slide20.xml><?xml version="1.0" encoding="utf-8"?>
-<p:sld xmlns:a="http://schemas.openxmlformats.org/drawingml/2006/main" xmlns:r="http://schemas.openxmlformats.org/officeDocument/2006/relationships" xmlns:p="http://schemas.openxmlformats.org/presentationml/2006/main">
-  <p:cSld>
-    <p:spTree>
-      <p:nvGrpSpPr>
-        <p:cNvPr id="1" name=""/>
-        <p:cNvGrpSpPr/>
-        <p:nvPr/>
-      </p:nvGrpSpPr>
-      <p:grpSpPr>
-        <a:xfrm>
-          <a:off x="0" y="0"/>
-          <a:ext cx="0" cy="0"/>
-          <a:chOff x="0" y="0"/>
-          <a:chExt cx="0" cy="0"/>
-        </a:xfrm>
-      </p:grpSpPr>
-      <p:sp>
-        <p:nvSpPr>
-          <p:cNvPr id="25602" name="内容占位符 1"/>
-          <p:cNvSpPr>
-            <a:spLocks noGrp="1"/>
-          </p:cNvSpPr>
-          <p:nvPr>
-            <p:ph idx="1"/>
-          </p:nvPr>
-        </p:nvSpPr>
-        <p:spPr>
-          <a:xfrm>
-            <a:off x="428625" y="1143000"/>
-            <a:ext cx="8429625" cy="4525963"/>
-          </a:xfrm>
-        </p:spPr>
-        <p:txBody>
-          <a:bodyPr/>
-          <a:lstStyle/>
-          <a:p>
-            <a:pPr eaLnBrk="1" hangingPunct="1"/>
-            <a:endParaRPr lang="zh-CN" altLang="en-US" smtClean="0"/>
-          </a:p>
-        </p:txBody>
-      </p:sp>
-      <p:sp>
-        <p:nvSpPr>
-          <p:cNvPr id="3" name="标题 2"/>
-          <p:cNvSpPr>
-            <a:spLocks noGrp="1"/>
-          </p:cNvSpPr>
-          <p:nvPr>
-            <p:ph type="title"/>
-          </p:nvPr>
-        </p:nvSpPr>
-        <p:spPr>
-          <a:xfrm>
-            <a:off x="34925" y="188913"/>
-            <a:ext cx="8229600" cy="571500"/>
-          </a:xfrm>
-        </p:spPr>
-        <p:txBody>
-          <a:bodyPr>
-            <a:normAutofit fontScale="90000"/>
-          </a:bodyPr>
-          <a:lstStyle/>
-          <a:p>
-            <a:pPr eaLnBrk="1" hangingPunct="1">
-              <a:defRPr/>
-            </a:pPr>
-            <a:r>
-              <a:rPr lang="en-US" altLang="zh-CN" dirty="0" smtClean="0"/>
-              <a:t>Spring</a:t>
-            </a:r>
-            <a:r>
-              <a:rPr lang="zh-CN" altLang="en-US" dirty="0" smtClean="0"/>
-              <a:t>配置</a:t>
-            </a:r>
-            <a:endParaRPr lang="zh-CN" altLang="en-US" dirty="0"/>
-          </a:p>
-        </p:txBody>
-      </p:sp>
-      <p:pic>
-        <p:nvPicPr>
-          <p:cNvPr id="25604" name="Picture 3"/>
-          <p:cNvPicPr>
-            <a:picLocks noChangeAspect="1" noChangeArrowheads="1"/>
-          </p:cNvPicPr>
-          <p:nvPr/>
-        </p:nvPicPr>
-        <p:blipFill>
-          <a:blip r:embed="rId2">
-            <a:extLst>
-              <a:ext uri="{28A0092B-C50C-407E-A947-70E740481C1C}">
-                <a14:useLocalDpi xmlns:a14="http://schemas.microsoft.com/office/drawing/2010/main" val="0"/>
-              </a:ext>
-            </a:extLst>
-          </a:blip>
-          <a:srcRect/>
-          <a:stretch>
-            <a:fillRect/>
-          </a:stretch>
-        </p:blipFill>
-        <p:spPr bwMode="auto">
-          <a:xfrm>
-            <a:off x="228600" y="1066800"/>
-            <a:ext cx="8623300" cy="5029200"/>
-          </a:xfrm>
-          <a:prstGeom prst="rect">
-            <a:avLst/>
-          </a:prstGeom>
-          <a:noFill/>
-          <a:ln>
-            <a:noFill/>
-          </a:ln>
-          <a:extLst>
-            <a:ext uri="{909E8E84-426E-40DD-AFC4-6F175D3DCCD1}">
-              <a14:hiddenFill xmlns:a14="http://schemas.microsoft.com/office/drawing/2010/main">
-                <a:solidFill>
-                  <a:srgbClr val="FFFFFF"/>
-                </a:solidFill>
-              </a14:hiddenFill>
-            </a:ext>
-            <a:ext uri="{91240B29-F687-4F45-9708-019B960494DF}">
-              <a14:hiddenLine xmlns:a14="http://schemas.microsoft.com/office/drawing/2010/main" w="9525" algn="ctr">
-                <a:solidFill>
-                  <a:srgbClr val="000000"/>
-                </a:solidFill>
-                <a:miter lim="800000"/>
-                <a:headEnd/>
-                <a:tailEnd/>
-              </a14:hiddenLine>
-            </a:ext>
-          </a:extLst>
-        </p:spPr>
-      </p:pic>
-    </p:spTree>
-    <p:extLst>
-      <p:ext uri="{BB962C8B-B14F-4D97-AF65-F5344CB8AC3E}">
-        <p14:creationId xmlns:p14="http://schemas.microsoft.com/office/powerpoint/2010/main" val="2940570998"/>
-      </p:ext>
-    </p:extLst>
-  </p:cSld>
-  <p:clrMapOvr>
-    <a:masterClrMapping/>
-  </p:clrMapOvr>
-  <p:timing>
-    <p:tnLst>
-      <p:par>
-        <p:cTn id="1" dur="indefinite" restart="never" nodeType="tmRoot"/>
-      </p:par>
-    </p:tnLst>
-  </p:timing>
-</p:sld>
-</file>
-
-<file path=ppt/slides/slide21.xml><?xml version="1.0" encoding="utf-8"?>
-<p:sld xmlns:a="http://schemas.openxmlformats.org/drawingml/2006/main" xmlns:r="http://schemas.openxmlformats.org/officeDocument/2006/relationships" xmlns:p="http://schemas.openxmlformats.org/presentationml/2006/main">
-  <p:cSld>
-    <p:spTree>
-      <p:nvGrpSpPr>
-        <p:cNvPr id="1" name=""/>
-        <p:cNvGrpSpPr/>
-        <p:nvPr/>
-      </p:nvGrpSpPr>
-      <p:grpSpPr>
-        <a:xfrm>
-          <a:off x="0" y="0"/>
-          <a:ext cx="0" cy="0"/>
-          <a:chOff x="0" y="0"/>
-          <a:chExt cx="0" cy="0"/>
-        </a:xfrm>
-      </p:grpSpPr>
-      <p:sp>
-        <p:nvSpPr>
-          <p:cNvPr id="26626" name="内容占位符 1"/>
-          <p:cNvSpPr>
-            <a:spLocks noGrp="1"/>
-          </p:cNvSpPr>
-          <p:nvPr>
-            <p:ph idx="1"/>
-          </p:nvPr>
-        </p:nvSpPr>
-        <p:spPr>
-          <a:xfrm>
-            <a:off x="428625" y="1143000"/>
-            <a:ext cx="8429625" cy="4525963"/>
-          </a:xfrm>
-        </p:spPr>
-        <p:txBody>
-          <a:bodyPr/>
-          <a:lstStyle/>
-          <a:p>
-            <a:pPr eaLnBrk="1" hangingPunct="1"/>
-            <a:r>
-              <a:rPr lang="zh-CN" altLang="en-US" sz="2400" smtClean="0"/>
-              <a:t>创建</a:t>
-            </a:r>
-            <a:r>
-              <a:rPr lang="en-US" altLang="zh-CN" sz="2400" smtClean="0"/>
-              <a:t>DataSource</a:t>
-            </a:r>
-            <a:r>
-              <a:rPr lang="zh-CN" altLang="en-US" sz="2400" smtClean="0"/>
-              <a:t>和</a:t>
-            </a:r>
-            <a:r>
-              <a:rPr lang="en-US" altLang="zh-CN" sz="2400" smtClean="0"/>
-              <a:t>SqlSessionFactoryBean</a:t>
-            </a:r>
-          </a:p>
-          <a:p>
-            <a:pPr eaLnBrk="1" hangingPunct="1"/>
-            <a:r>
-              <a:rPr lang="zh-CN" altLang="en-US" sz="2400" smtClean="0"/>
-              <a:t>扫描</a:t>
-            </a:r>
-            <a:r>
-              <a:rPr lang="en-US" altLang="zh-CN" sz="2400" smtClean="0"/>
-              <a:t>mappers</a:t>
-            </a:r>
-            <a:r>
-              <a:rPr lang="zh-CN" altLang="en-US" sz="2400" smtClean="0"/>
-              <a:t>所在的包</a:t>
-            </a:r>
-            <a:endParaRPr lang="en-US" altLang="zh-CN" sz="2400" smtClean="0"/>
-          </a:p>
-          <a:p>
-            <a:pPr lvl="1" eaLnBrk="1" hangingPunct="1"/>
-            <a:r>
-              <a:rPr lang="en-US" altLang="zh-CN" sz="1800" smtClean="0"/>
-              <a:t>@MapperScan("com.avicit.tutorial.mybatis.todo.persistence")</a:t>
-            </a:r>
-          </a:p>
-          <a:p>
-            <a:pPr lvl="2" eaLnBrk="1" hangingPunct="1"/>
-            <a:r>
-              <a:rPr lang="zh-CN" altLang="en-US" sz="1600" smtClean="0"/>
-              <a:t>接口</a:t>
-            </a:r>
-            <a:endParaRPr lang="en-US" altLang="zh-CN" sz="1600" smtClean="0"/>
-          </a:p>
-          <a:p>
-            <a:pPr lvl="2" eaLnBrk="1" hangingPunct="1"/>
-            <a:r>
-              <a:rPr lang="en-US" altLang="zh-CN" sz="1600" smtClean="0"/>
-              <a:t>XML mapper files</a:t>
-            </a:r>
-          </a:p>
-          <a:p>
-            <a:pPr lvl="2" eaLnBrk="1" hangingPunct="1"/>
-            <a:r>
-              <a:rPr lang="en-US" altLang="zh-CN" sz="1600" i="1" smtClean="0"/>
-              <a:t>sessionFactory.setTypeAliasesPackage("com.avicit.tutorial.mybatis.todo.domain")</a:t>
-            </a:r>
-            <a:endParaRPr lang="zh-CN" altLang="en-US" sz="1600" smtClean="0"/>
-          </a:p>
-        </p:txBody>
-      </p:sp>
-      <p:sp>
-        <p:nvSpPr>
-          <p:cNvPr id="3" name="标题 2"/>
-          <p:cNvSpPr>
-            <a:spLocks noGrp="1"/>
-          </p:cNvSpPr>
-          <p:nvPr>
-            <p:ph type="title"/>
-          </p:nvPr>
-        </p:nvSpPr>
-        <p:spPr>
-          <a:xfrm>
-            <a:off x="34925" y="188913"/>
-            <a:ext cx="8229600" cy="571500"/>
-          </a:xfrm>
-        </p:spPr>
-        <p:txBody>
-          <a:bodyPr>
-            <a:normAutofit fontScale="90000"/>
-          </a:bodyPr>
-          <a:lstStyle/>
-          <a:p>
-            <a:pPr eaLnBrk="1" hangingPunct="1">
-              <a:defRPr/>
-            </a:pPr>
-            <a:r>
-              <a:rPr lang="en-US" altLang="zh-CN" dirty="0" smtClean="0"/>
-              <a:t>Spring</a:t>
-            </a:r>
-            <a:r>
-              <a:rPr lang="zh-CN" altLang="en-US" dirty="0" smtClean="0"/>
-              <a:t>配置</a:t>
-            </a:r>
-            <a:endParaRPr lang="zh-CN" altLang="en-US" dirty="0"/>
-          </a:p>
-        </p:txBody>
-      </p:sp>
-      <p:pic>
-        <p:nvPicPr>
-          <p:cNvPr id="26628" name="Picture 3"/>
-          <p:cNvPicPr>
-            <a:picLocks noChangeAspect="1" noChangeArrowheads="1"/>
-          </p:cNvPicPr>
-          <p:nvPr/>
-        </p:nvPicPr>
-        <p:blipFill>
-          <a:blip r:embed="rId2">
-            <a:extLst>
-              <a:ext uri="{28A0092B-C50C-407E-A947-70E740481C1C}">
-                <a14:useLocalDpi xmlns:a14="http://schemas.microsoft.com/office/drawing/2010/main" val="0"/>
-              </a:ext>
-            </a:extLst>
-          </a:blip>
-          <a:srcRect/>
-          <a:stretch>
-            <a:fillRect/>
-          </a:stretch>
-        </p:blipFill>
-        <p:spPr bwMode="auto">
-          <a:xfrm>
-            <a:off x="304800" y="3352800"/>
-            <a:ext cx="4521200" cy="2743200"/>
-          </a:xfrm>
-          <a:prstGeom prst="rect">
-            <a:avLst/>
-          </a:prstGeom>
-          <a:noFill/>
-          <a:ln>
-            <a:noFill/>
-          </a:ln>
-          <a:extLst>
-            <a:ext uri="{909E8E84-426E-40DD-AFC4-6F175D3DCCD1}">
-              <a14:hiddenFill xmlns:a14="http://schemas.microsoft.com/office/drawing/2010/main">
-                <a:solidFill>
-                  <a:srgbClr val="FFFFFF"/>
-                </a:solidFill>
-              </a14:hiddenFill>
-            </a:ext>
-            <a:ext uri="{91240B29-F687-4F45-9708-019B960494DF}">
-              <a14:hiddenLine xmlns:a14="http://schemas.microsoft.com/office/drawing/2010/main" w="9525" algn="ctr">
-                <a:solidFill>
-                  <a:srgbClr val="000000"/>
-                </a:solidFill>
-                <a:miter lim="800000"/>
-                <a:headEnd/>
-                <a:tailEnd/>
-              </a14:hiddenLine>
-            </a:ext>
-          </a:extLst>
-        </p:spPr>
-      </p:pic>
-    </p:spTree>
-    <p:extLst>
-      <p:ext uri="{BB962C8B-B14F-4D97-AF65-F5344CB8AC3E}">
-        <p14:creationId xmlns:p14="http://schemas.microsoft.com/office/powerpoint/2010/main" val="1516148629"/>
-      </p:ext>
-    </p:extLst>
-  </p:cSld>
-  <p:clrMapOvr>
-    <a:masterClrMapping/>
-  </p:clrMapOvr>
-  <p:timing>
-    <p:tnLst>
-      <p:par>
-        <p:cTn id="1" dur="indefinite" restart="never" nodeType="tmRoot"/>
-      </p:par>
-    </p:tnLst>
-  </p:timing>
-</p:sld>
-</file>
-
-<file path=ppt/slides/slide22.xml><?xml version="1.0" encoding="utf-8"?>
-<p:sld xmlns:a="http://schemas.openxmlformats.org/drawingml/2006/main" xmlns:r="http://schemas.openxmlformats.org/officeDocument/2006/relationships" xmlns:p="http://schemas.openxmlformats.org/presentationml/2006/main">
-  <p:cSld>
-    <p:spTree>
-      <p:nvGrpSpPr>
-        <p:cNvPr id="1" name=""/>
-        <p:cNvGrpSpPr/>
-        <p:nvPr/>
-      </p:nvGrpSpPr>
-      <p:grpSpPr>
-        <a:xfrm>
-          <a:off x="0" y="0"/>
-          <a:ext cx="0" cy="0"/>
-          <a:chOff x="0" y="0"/>
-          <a:chExt cx="0" cy="0"/>
-        </a:xfrm>
-      </p:grpSpPr>
-      <p:sp>
-        <p:nvSpPr>
-          <p:cNvPr id="27650" name="内容占位符 1"/>
-          <p:cNvSpPr>
-            <a:spLocks noGrp="1"/>
-          </p:cNvSpPr>
-          <p:nvPr>
-            <p:ph idx="1"/>
-          </p:nvPr>
-        </p:nvSpPr>
-        <p:spPr>
-          <a:xfrm>
-            <a:off x="428625" y="1143000"/>
-            <a:ext cx="8429625" cy="4525963"/>
-          </a:xfrm>
-        </p:spPr>
-        <p:txBody>
-          <a:bodyPr/>
-          <a:lstStyle/>
-          <a:p>
-            <a:pPr eaLnBrk="1" hangingPunct="1"/>
-            <a:endParaRPr lang="zh-CN" altLang="en-US" smtClean="0"/>
-          </a:p>
-        </p:txBody>
-      </p:sp>
-      <p:sp>
-        <p:nvSpPr>
-          <p:cNvPr id="3" name="标题 2"/>
-          <p:cNvSpPr>
-            <a:spLocks noGrp="1"/>
-          </p:cNvSpPr>
-          <p:nvPr>
-            <p:ph type="title"/>
-          </p:nvPr>
-        </p:nvSpPr>
-        <p:spPr>
-          <a:xfrm>
-            <a:off x="34925" y="188913"/>
-            <a:ext cx="8229600" cy="571500"/>
-          </a:xfrm>
-        </p:spPr>
-        <p:txBody>
-          <a:bodyPr>
-            <a:normAutofit fontScale="90000"/>
-          </a:bodyPr>
-          <a:lstStyle/>
-          <a:p>
-            <a:pPr eaLnBrk="1" hangingPunct="1">
-              <a:defRPr/>
-            </a:pPr>
-            <a:r>
-              <a:rPr lang="zh-CN" altLang="en-US" dirty="0" smtClean="0"/>
-              <a:t>注入</a:t>
-            </a:r>
-            <a:r>
-              <a:rPr lang="en-US" altLang="zh-CN" dirty="0" err="1" smtClean="0"/>
-              <a:t>Mappers</a:t>
-            </a:r>
-            <a:endParaRPr lang="zh-CN" altLang="en-US" dirty="0"/>
-          </a:p>
-        </p:txBody>
-      </p:sp>
-      <p:pic>
-        <p:nvPicPr>
-          <p:cNvPr id="27652" name="Picture 2"/>
-          <p:cNvPicPr>
-            <a:picLocks noChangeAspect="1" noChangeArrowheads="1"/>
-          </p:cNvPicPr>
-          <p:nvPr/>
-        </p:nvPicPr>
-        <p:blipFill>
-          <a:blip r:embed="rId2">
-            <a:extLst>
-              <a:ext uri="{28A0092B-C50C-407E-A947-70E740481C1C}">
-                <a14:useLocalDpi xmlns:a14="http://schemas.microsoft.com/office/drawing/2010/main" val="0"/>
-              </a:ext>
-            </a:extLst>
-          </a:blip>
-          <a:srcRect/>
-          <a:stretch>
-            <a:fillRect/>
-          </a:stretch>
-        </p:blipFill>
-        <p:spPr bwMode="auto">
-          <a:xfrm>
-            <a:off x="457200" y="1066800"/>
-            <a:ext cx="5486400" cy="2143125"/>
-          </a:xfrm>
-          <a:prstGeom prst="rect">
-            <a:avLst/>
-          </a:prstGeom>
-          <a:noFill/>
-          <a:ln>
-            <a:noFill/>
-          </a:ln>
-          <a:extLst>
-            <a:ext uri="{909E8E84-426E-40DD-AFC4-6F175D3DCCD1}">
-              <a14:hiddenFill xmlns:a14="http://schemas.microsoft.com/office/drawing/2010/main">
-                <a:solidFill>
-                  <a:srgbClr val="FFFFFF"/>
-                </a:solidFill>
-              </a14:hiddenFill>
-            </a:ext>
-            <a:ext uri="{91240B29-F687-4F45-9708-019B960494DF}">
-              <a14:hiddenLine xmlns:a14="http://schemas.microsoft.com/office/drawing/2010/main" w="9525" algn="ctr">
-                <a:solidFill>
-                  <a:srgbClr val="000000"/>
-                </a:solidFill>
-                <a:miter lim="800000"/>
-                <a:headEnd/>
-                <a:tailEnd/>
-              </a14:hiddenLine>
-            </a:ext>
-          </a:extLst>
-        </p:spPr>
-      </p:pic>
-      <p:pic>
-        <p:nvPicPr>
-          <p:cNvPr id="27653" name="Picture 3"/>
-          <p:cNvPicPr>
-            <a:picLocks noChangeAspect="1" noChangeArrowheads="1"/>
-          </p:cNvPicPr>
-          <p:nvPr/>
-        </p:nvPicPr>
-        <p:blipFill>
-          <a:blip r:embed="rId3">
-            <a:extLst>
-              <a:ext uri="{28A0092B-C50C-407E-A947-70E740481C1C}">
-                <a14:useLocalDpi xmlns:a14="http://schemas.microsoft.com/office/drawing/2010/main" val="0"/>
-              </a:ext>
-            </a:extLst>
-          </a:blip>
-          <a:srcRect/>
-          <a:stretch>
-            <a:fillRect/>
-          </a:stretch>
-        </p:blipFill>
-        <p:spPr bwMode="auto">
-          <a:xfrm>
-            <a:off x="3581400" y="3505200"/>
-            <a:ext cx="5267325" cy="2238375"/>
-          </a:xfrm>
-          <a:prstGeom prst="rect">
-            <a:avLst/>
-          </a:prstGeom>
-          <a:noFill/>
-          <a:ln>
-            <a:noFill/>
-          </a:ln>
-          <a:extLst>
-            <a:ext uri="{909E8E84-426E-40DD-AFC4-6F175D3DCCD1}">
-              <a14:hiddenFill xmlns:a14="http://schemas.microsoft.com/office/drawing/2010/main">
-                <a:solidFill>
-                  <a:srgbClr val="FFFFFF"/>
-                </a:solidFill>
-              </a14:hiddenFill>
-            </a:ext>
-            <a:ext uri="{91240B29-F687-4F45-9708-019B960494DF}">
-              <a14:hiddenLine xmlns:a14="http://schemas.microsoft.com/office/drawing/2010/main" w="9525" algn="ctr">
-                <a:solidFill>
-                  <a:srgbClr val="000000"/>
-                </a:solidFill>
-                <a:miter lim="800000"/>
-                <a:headEnd/>
-                <a:tailEnd/>
-              </a14:hiddenLine>
-            </a:ext>
-          </a:extLst>
-        </p:spPr>
-      </p:pic>
-    </p:spTree>
-    <p:extLst>
-      <p:ext uri="{BB962C8B-B14F-4D97-AF65-F5344CB8AC3E}">
-        <p14:creationId xmlns:p14="http://schemas.microsoft.com/office/powerpoint/2010/main" val="1252211436"/>
-      </p:ext>
-    </p:extLst>
-  </p:cSld>
-  <p:clrMapOvr>
-    <a:masterClrMapping/>
-  </p:clrMapOvr>
-  <p:timing>
-    <p:tnLst>
-      <p:par>
-        <p:cTn id="1" dur="indefinite" restart="never" nodeType="tmRoot"/>
-      </p:par>
-    </p:tnLst>
-  </p:timing>
-</p:sld>
-</file>
-
-<file path=ppt/slides/slide23.xml><?xml version="1.0" encoding="utf-8"?>
-<p:sld xmlns:a="http://schemas.openxmlformats.org/drawingml/2006/main" xmlns:r="http://schemas.openxmlformats.org/officeDocument/2006/relationships" xmlns:p="http://schemas.openxmlformats.org/presentationml/2006/main">
-  <p:cSld>
-    <p:spTree>
-      <p:nvGrpSpPr>
-        <p:cNvPr id="1" name=""/>
-        <p:cNvGrpSpPr/>
-        <p:nvPr/>
-      </p:nvGrpSpPr>
-      <p:grpSpPr>
-        <a:xfrm>
-          <a:off x="0" y="0"/>
-          <a:ext cx="0" cy="0"/>
-          <a:chOff x="0" y="0"/>
-          <a:chExt cx="0" cy="0"/>
-        </a:xfrm>
-      </p:grpSpPr>
-      <p:sp>
-        <p:nvSpPr>
-          <p:cNvPr id="28674" name="内容占位符 1"/>
-          <p:cNvSpPr>
-            <a:spLocks noGrp="1"/>
-          </p:cNvSpPr>
-          <p:nvPr>
-            <p:ph idx="1"/>
-          </p:nvPr>
-        </p:nvSpPr>
-        <p:spPr>
-          <a:xfrm>
-            <a:off x="428625" y="1143000"/>
-            <a:ext cx="8429625" cy="4525963"/>
-          </a:xfrm>
-        </p:spPr>
-        <p:txBody>
-          <a:bodyPr/>
-          <a:lstStyle/>
-          <a:p>
-            <a:pPr eaLnBrk="1" hangingPunct="1"/>
-            <a:endParaRPr lang="zh-CN" altLang="en-US" smtClean="0"/>
-          </a:p>
-        </p:txBody>
-      </p:sp>
-      <p:sp>
-        <p:nvSpPr>
-          <p:cNvPr id="3" name="标题 2"/>
-          <p:cNvSpPr>
-            <a:spLocks noGrp="1"/>
-          </p:cNvSpPr>
-          <p:nvPr>
-            <p:ph type="title"/>
-          </p:nvPr>
-        </p:nvSpPr>
-        <p:spPr>
-          <a:xfrm>
-            <a:off x="34925" y="188913"/>
-            <a:ext cx="8229600" cy="571500"/>
-          </a:xfrm>
-        </p:spPr>
-        <p:txBody>
-          <a:bodyPr>
-            <a:normAutofit fontScale="90000"/>
-          </a:bodyPr>
-          <a:lstStyle/>
-          <a:p>
-            <a:pPr eaLnBrk="1" hangingPunct="1">
-              <a:defRPr/>
-            </a:pPr>
-            <a:r>
-              <a:rPr lang="zh-CN" altLang="en-US" dirty="0" smtClean="0"/>
-              <a:t>运行程序</a:t>
-            </a:r>
-            <a:endParaRPr lang="zh-CN" altLang="en-US" dirty="0"/>
-          </a:p>
-        </p:txBody>
-      </p:sp>
-      <p:pic>
-        <p:nvPicPr>
-          <p:cNvPr id="28676" name="Picture 2"/>
-          <p:cNvPicPr>
-            <a:picLocks noChangeAspect="1" noChangeArrowheads="1"/>
-          </p:cNvPicPr>
-          <p:nvPr/>
-        </p:nvPicPr>
-        <p:blipFill>
-          <a:blip r:embed="rId2">
-            <a:extLst>
-              <a:ext uri="{28A0092B-C50C-407E-A947-70E740481C1C}">
-                <a14:useLocalDpi xmlns:a14="http://schemas.microsoft.com/office/drawing/2010/main" val="0"/>
-              </a:ext>
-            </a:extLst>
-          </a:blip>
-          <a:srcRect/>
-          <a:stretch>
-            <a:fillRect/>
-          </a:stretch>
-        </p:blipFill>
-        <p:spPr bwMode="auto">
-          <a:xfrm>
-            <a:off x="457200" y="1171575"/>
-            <a:ext cx="8458200" cy="4848225"/>
-          </a:xfrm>
-          <a:prstGeom prst="rect">
-            <a:avLst/>
-          </a:prstGeom>
-          <a:noFill/>
-          <a:ln>
-            <a:noFill/>
-          </a:ln>
-          <a:extLst>
-            <a:ext uri="{909E8E84-426E-40DD-AFC4-6F175D3DCCD1}">
-              <a14:hiddenFill xmlns:a14="http://schemas.microsoft.com/office/drawing/2010/main">
-                <a:solidFill>
-                  <a:srgbClr val="FFFFFF"/>
-                </a:solidFill>
-              </a14:hiddenFill>
-            </a:ext>
-            <a:ext uri="{91240B29-F687-4F45-9708-019B960494DF}">
-              <a14:hiddenLine xmlns:a14="http://schemas.microsoft.com/office/drawing/2010/main" w="9525" algn="ctr">
-                <a:solidFill>
-                  <a:srgbClr val="000000"/>
-                </a:solidFill>
-                <a:miter lim="800000"/>
-                <a:headEnd/>
-                <a:tailEnd/>
-              </a14:hiddenLine>
-            </a:ext>
-          </a:extLst>
-        </p:spPr>
-      </p:pic>
-    </p:spTree>
-    <p:extLst>
-      <p:ext uri="{BB962C8B-B14F-4D97-AF65-F5344CB8AC3E}">
-        <p14:creationId xmlns:p14="http://schemas.microsoft.com/office/powerpoint/2010/main" val="3922127997"/>
-      </p:ext>
-    </p:extLst>
-  </p:cSld>
-  <p:clrMapOvr>
-    <a:masterClrMapping/>
-  </p:clrMapOvr>
-  <p:timing>
-    <p:tnLst>
-      <p:par>
-        <p:cTn id="1" dur="indefinite" restart="never" nodeType="tmRoot"/>
-      </p:par>
-    </p:tnLst>
-  </p:timing>
-</p:sld>
-</file>
-
-<file path=ppt/slides/slide24.xml><?xml version="1.0" encoding="utf-8"?>
-<p:sld xmlns:a="http://schemas.openxmlformats.org/drawingml/2006/main" xmlns:r="http://schemas.openxmlformats.org/officeDocument/2006/relationships" xmlns:p="http://schemas.openxmlformats.org/presentationml/2006/main">
-  <p:cSld>
-    <p:spTree>
-      <p:nvGrpSpPr>
-        <p:cNvPr id="1" name=""/>
-        <p:cNvGrpSpPr/>
-        <p:nvPr/>
-      </p:nvGrpSpPr>
-      <p:grpSpPr>
-        <a:xfrm>
-          <a:off x="0" y="0"/>
-          <a:ext cx="0" cy="0"/>
-          <a:chOff x="0" y="0"/>
-          <a:chExt cx="0" cy="0"/>
-        </a:xfrm>
-      </p:grpSpPr>
-      <p:sp>
-        <p:nvSpPr>
-          <p:cNvPr id="29698" name="内容占位符 1"/>
-          <p:cNvSpPr>
-            <a:spLocks noGrp="1"/>
-          </p:cNvSpPr>
-          <p:nvPr>
-            <p:ph idx="1"/>
-          </p:nvPr>
-        </p:nvSpPr>
-        <p:spPr>
-          <a:xfrm>
-            <a:off x="428625" y="1143000"/>
-            <a:ext cx="8429625" cy="4525963"/>
-          </a:xfrm>
-        </p:spPr>
-        <p:txBody>
-          <a:bodyPr/>
-          <a:lstStyle/>
-          <a:p>
-            <a:r>
-              <a:rPr lang="en-US" altLang="zh-CN" smtClean="0"/>
-              <a:t>BoundBlogMapper</a:t>
-            </a:r>
-          </a:p>
-          <a:p>
-            <a:pPr>
-              <a:buFont typeface="微软雅黑" pitchFamily="34" charset="-122"/>
-              <a:buNone/>
-            </a:pPr>
-            <a:endParaRPr lang="zh-CN" altLang="en-US" smtClean="0"/>
-          </a:p>
-        </p:txBody>
-      </p:sp>
-      <p:sp>
-        <p:nvSpPr>
-          <p:cNvPr id="3" name="标题 2"/>
-          <p:cNvSpPr>
-            <a:spLocks noGrp="1"/>
-          </p:cNvSpPr>
-          <p:nvPr>
-            <p:ph type="title"/>
-          </p:nvPr>
-        </p:nvSpPr>
-        <p:spPr>
-          <a:xfrm>
-            <a:off x="34925" y="188913"/>
-            <a:ext cx="8229600" cy="571500"/>
-          </a:xfrm>
-        </p:spPr>
-        <p:txBody>
-          <a:bodyPr>
-            <a:normAutofit fontScale="90000"/>
-          </a:bodyPr>
-          <a:lstStyle/>
-          <a:p>
-            <a:pPr>
-              <a:defRPr/>
-            </a:pPr>
-            <a:r>
-              <a:rPr lang="zh-CN" altLang="en-US" dirty="0" smtClean="0"/>
-              <a:t>动态</a:t>
-            </a:r>
-            <a:r>
-              <a:rPr lang="en-US" altLang="zh-CN" dirty="0" smtClean="0"/>
-              <a:t>SQL</a:t>
-            </a:r>
-            <a:endParaRPr lang="zh-CN" altLang="en-US" dirty="0"/>
-          </a:p>
-        </p:txBody>
-      </p:sp>
-      <p:pic>
-        <p:nvPicPr>
-          <p:cNvPr id="29700" name="Picture 2"/>
-          <p:cNvPicPr>
-            <a:picLocks noChangeAspect="1" noChangeArrowheads="1"/>
-          </p:cNvPicPr>
-          <p:nvPr/>
-        </p:nvPicPr>
-        <p:blipFill>
-          <a:blip r:embed="rId2">
-            <a:extLst>
-              <a:ext uri="{28A0092B-C50C-407E-A947-70E740481C1C}">
-                <a14:useLocalDpi xmlns:a14="http://schemas.microsoft.com/office/drawing/2010/main" val="0"/>
-              </a:ext>
-            </a:extLst>
-          </a:blip>
-          <a:srcRect/>
-          <a:stretch>
-            <a:fillRect/>
-          </a:stretch>
-        </p:blipFill>
-        <p:spPr bwMode="auto">
-          <a:xfrm>
-            <a:off x="1066800" y="2133600"/>
-            <a:ext cx="6086475" cy="3133725"/>
-          </a:xfrm>
-          <a:prstGeom prst="rect">
-            <a:avLst/>
-          </a:prstGeom>
-          <a:noFill/>
-          <a:ln>
-            <a:noFill/>
-          </a:ln>
-          <a:extLst>
-            <a:ext uri="{909E8E84-426E-40DD-AFC4-6F175D3DCCD1}">
-              <a14:hiddenFill xmlns:a14="http://schemas.microsoft.com/office/drawing/2010/main">
-                <a:solidFill>
-                  <a:srgbClr val="FFFFFF"/>
-                </a:solidFill>
-              </a14:hiddenFill>
-            </a:ext>
-            <a:ext uri="{91240B29-F687-4F45-9708-019B960494DF}">
-              <a14:hiddenLine xmlns:a14="http://schemas.microsoft.com/office/drawing/2010/main" w="9525" algn="ctr">
-                <a:solidFill>
-                  <a:srgbClr val="000000"/>
-                </a:solidFill>
-                <a:miter lim="800000"/>
-                <a:headEnd/>
-                <a:tailEnd/>
-              </a14:hiddenLine>
-            </a:ext>
-          </a:extLst>
-        </p:spPr>
-      </p:pic>
-    </p:spTree>
-    <p:extLst>
-      <p:ext uri="{BB962C8B-B14F-4D97-AF65-F5344CB8AC3E}">
-        <p14:creationId xmlns:p14="http://schemas.microsoft.com/office/powerpoint/2010/main" val="669119301"/>
-      </p:ext>
-    </p:extLst>
-  </p:cSld>
-  <p:clrMapOvr>
-    <a:masterClrMapping/>
-  </p:clrMapOvr>
-</p:sld>
-</file>
-
-<file path=ppt/slides/slide25.xml><?xml version="1.0" encoding="utf-8"?>
-<p:sld xmlns:a="http://schemas.openxmlformats.org/drawingml/2006/main" xmlns:r="http://schemas.openxmlformats.org/officeDocument/2006/relationships" xmlns:p="http://schemas.openxmlformats.org/presentationml/2006/main">
-  <p:cSld>
-    <p:spTree>
-      <p:nvGrpSpPr>
-        <p:cNvPr id="1" name=""/>
-        <p:cNvGrpSpPr/>
-        <p:nvPr/>
-      </p:nvGrpSpPr>
-      <p:grpSpPr>
-        <a:xfrm>
-          <a:off x="0" y="0"/>
-          <a:ext cx="0" cy="0"/>
-          <a:chOff x="0" y="0"/>
-          <a:chExt cx="0" cy="0"/>
-        </a:xfrm>
-      </p:grpSpPr>
-      <p:sp>
-        <p:nvSpPr>
-          <p:cNvPr id="30722" name="内容占位符 1"/>
-          <p:cNvSpPr>
-            <a:spLocks noGrp="1"/>
-          </p:cNvSpPr>
-          <p:nvPr>
-            <p:ph idx="1"/>
-          </p:nvPr>
-        </p:nvSpPr>
-        <p:spPr>
-          <a:xfrm>
-            <a:off x="428625" y="1143000"/>
-            <a:ext cx="8429625" cy="4525963"/>
-          </a:xfrm>
-        </p:spPr>
-        <p:txBody>
-          <a:bodyPr/>
-          <a:lstStyle/>
-          <a:p>
-            <a:r>
-              <a:rPr lang="zh-CN" altLang="en-US" sz="2800" smtClean="0"/>
-              <a:t>一个</a:t>
-            </a:r>
-            <a:r>
-              <a:rPr lang="en-US" altLang="zh-CN" sz="2800" smtClean="0"/>
-              <a:t>Blog</a:t>
-            </a:r>
-            <a:r>
-              <a:rPr lang="zh-CN" altLang="en-US" sz="2800" smtClean="0"/>
-              <a:t>只有一个</a:t>
-            </a:r>
-            <a:r>
-              <a:rPr lang="en-US" altLang="zh-CN" sz="2800" smtClean="0"/>
-              <a:t>Author</a:t>
-            </a:r>
-          </a:p>
-          <a:p>
-            <a:r>
-              <a:rPr lang="zh-CN" altLang="en-US" sz="2800" smtClean="0"/>
-              <a:t>一个</a:t>
-            </a:r>
-            <a:r>
-              <a:rPr lang="en-US" altLang="zh-CN" sz="2800" smtClean="0"/>
-              <a:t>Blog</a:t>
-            </a:r>
-            <a:r>
-              <a:rPr lang="zh-CN" altLang="en-US" sz="2800" smtClean="0"/>
-              <a:t>有多个</a:t>
-            </a:r>
-            <a:r>
-              <a:rPr lang="en-US" altLang="zh-CN" sz="2800" smtClean="0"/>
-              <a:t>Post</a:t>
-            </a:r>
-          </a:p>
-          <a:p>
-            <a:endParaRPr lang="en-US" altLang="zh-CN" sz="2800" smtClean="0"/>
-          </a:p>
-          <a:p>
-            <a:pPr>
-              <a:buFont typeface="微软雅黑" pitchFamily="34" charset="-122"/>
-              <a:buNone/>
-            </a:pPr>
-            <a:endParaRPr lang="en-US" altLang="zh-CN" sz="2800" smtClean="0"/>
-          </a:p>
-          <a:p>
-            <a:pPr>
-              <a:buFont typeface="微软雅黑" pitchFamily="34" charset="-122"/>
-              <a:buNone/>
-            </a:pPr>
-            <a:endParaRPr lang="zh-CN" altLang="en-US" sz="2800" smtClean="0"/>
-          </a:p>
-        </p:txBody>
-      </p:sp>
-      <p:sp>
-        <p:nvSpPr>
-          <p:cNvPr id="3" name="标题 2"/>
-          <p:cNvSpPr>
-            <a:spLocks noGrp="1"/>
-          </p:cNvSpPr>
-          <p:nvPr>
-            <p:ph type="title"/>
-          </p:nvPr>
-        </p:nvSpPr>
-        <p:spPr>
-          <a:xfrm>
-            <a:off x="34925" y="188913"/>
-            <a:ext cx="8229600" cy="571500"/>
-          </a:xfrm>
-        </p:spPr>
-        <p:txBody>
-          <a:bodyPr>
-            <a:normAutofit fontScale="90000"/>
-          </a:bodyPr>
-          <a:lstStyle/>
-          <a:p>
-            <a:pPr>
-              <a:defRPr/>
-            </a:pPr>
-            <a:r>
-              <a:rPr lang="zh-CN" altLang="en-US" dirty="0" smtClean="0"/>
-              <a:t>一对一和多对多</a:t>
-            </a:r>
-            <a:endParaRPr lang="zh-CN" altLang="en-US" dirty="0"/>
-          </a:p>
-        </p:txBody>
-      </p:sp>
-      <p:pic>
-        <p:nvPicPr>
-          <p:cNvPr id="30724" name="Picture 2"/>
-          <p:cNvPicPr>
-            <a:picLocks noChangeAspect="1" noChangeArrowheads="1"/>
-          </p:cNvPicPr>
-          <p:nvPr/>
-        </p:nvPicPr>
-        <p:blipFill>
-          <a:blip r:embed="rId2">
-            <a:extLst>
-              <a:ext uri="{28A0092B-C50C-407E-A947-70E740481C1C}">
-                <a14:useLocalDpi xmlns:a14="http://schemas.microsoft.com/office/drawing/2010/main" val="0"/>
-              </a:ext>
-            </a:extLst>
-          </a:blip>
-          <a:srcRect/>
-          <a:stretch>
-            <a:fillRect/>
-          </a:stretch>
-        </p:blipFill>
-        <p:spPr bwMode="auto">
-          <a:xfrm>
-            <a:off x="1676400" y="2514600"/>
-            <a:ext cx="3141663" cy="1447800"/>
-          </a:xfrm>
-          <a:prstGeom prst="rect">
-            <a:avLst/>
-          </a:prstGeom>
-          <a:noFill/>
-          <a:ln>
-            <a:noFill/>
-          </a:ln>
-          <a:extLst>
-            <a:ext uri="{909E8E84-426E-40DD-AFC4-6F175D3DCCD1}">
-              <a14:hiddenFill xmlns:a14="http://schemas.microsoft.com/office/drawing/2010/main">
-                <a:solidFill>
-                  <a:srgbClr val="FFFFFF"/>
-                </a:solidFill>
-              </a14:hiddenFill>
-            </a:ext>
-            <a:ext uri="{91240B29-F687-4F45-9708-019B960494DF}">
-              <a14:hiddenLine xmlns:a14="http://schemas.microsoft.com/office/drawing/2010/main" w="9525" algn="ctr">
-                <a:solidFill>
-                  <a:srgbClr val="000000"/>
-                </a:solidFill>
-                <a:miter lim="800000"/>
-                <a:headEnd/>
-                <a:tailEnd/>
-              </a14:hiddenLine>
-            </a:ext>
-          </a:extLst>
-        </p:spPr>
-      </p:pic>
-    </p:spTree>
-    <p:extLst>
-      <p:ext uri="{BB962C8B-B14F-4D97-AF65-F5344CB8AC3E}">
-        <p14:creationId xmlns:p14="http://schemas.microsoft.com/office/powerpoint/2010/main" val="1100399788"/>
-      </p:ext>
-    </p:extLst>
-  </p:cSld>
-  <p:clrMapOvr>
-    <a:masterClrMapping/>
-  </p:clrMapOvr>
-</p:sld>
-</file>
-
-<file path=ppt/slides/slide26.xml><?xml version="1.0" encoding="utf-8"?>
-<p:sld xmlns:a="http://schemas.openxmlformats.org/drawingml/2006/main" xmlns:r="http://schemas.openxmlformats.org/officeDocument/2006/relationships" xmlns:p="http://schemas.openxmlformats.org/presentationml/2006/main">
-  <p:cSld>
-    <p:spTree>
-      <p:nvGrpSpPr>
-        <p:cNvPr id="1" name=""/>
-        <p:cNvGrpSpPr/>
-        <p:nvPr/>
-      </p:nvGrpSpPr>
-      <p:grpSpPr>
-        <a:xfrm>
-          <a:off x="0" y="0"/>
-          <a:ext cx="0" cy="0"/>
-          <a:chOff x="0" y="0"/>
-          <a:chExt cx="0" cy="0"/>
-        </a:xfrm>
-      </p:grpSpPr>
-      <p:sp>
-        <p:nvSpPr>
-          <p:cNvPr id="31746" name="内容占位符 1"/>
-          <p:cNvSpPr>
-            <a:spLocks noGrp="1"/>
-          </p:cNvSpPr>
-          <p:nvPr>
-            <p:ph idx="1"/>
-          </p:nvPr>
-        </p:nvSpPr>
-        <p:spPr>
-          <a:xfrm>
-            <a:off x="428625" y="1143000"/>
-            <a:ext cx="8429625" cy="4525963"/>
-          </a:xfrm>
-        </p:spPr>
-        <p:txBody>
-          <a:bodyPr/>
-          <a:lstStyle/>
-          <a:p>
-            <a:endParaRPr lang="zh-CN" altLang="en-US" smtClean="0"/>
-          </a:p>
-        </p:txBody>
-      </p:sp>
-      <p:sp>
-        <p:nvSpPr>
-          <p:cNvPr id="3" name="标题 2"/>
-          <p:cNvSpPr>
-            <a:spLocks noGrp="1"/>
-          </p:cNvSpPr>
-          <p:nvPr>
-            <p:ph type="title"/>
-          </p:nvPr>
-        </p:nvSpPr>
-        <p:spPr>
-          <a:xfrm>
-            <a:off x="34925" y="188913"/>
-            <a:ext cx="8229600" cy="571500"/>
-          </a:xfrm>
-        </p:spPr>
-        <p:txBody>
-          <a:bodyPr>
-            <a:normAutofit fontScale="90000"/>
-          </a:bodyPr>
-          <a:lstStyle/>
-          <a:p>
-            <a:pPr>
-              <a:defRPr/>
-            </a:pPr>
-            <a:r>
-              <a:rPr lang="zh-CN" altLang="en-US" dirty="0" smtClean="0"/>
-              <a:t>一个</a:t>
-            </a:r>
-            <a:r>
-              <a:rPr lang="en-US" altLang="zh-CN" dirty="0" smtClean="0"/>
-              <a:t>Blog</a:t>
-            </a:r>
-            <a:r>
-              <a:rPr lang="zh-CN" altLang="en-US" dirty="0" smtClean="0"/>
-              <a:t>有多个</a:t>
-            </a:r>
-            <a:r>
-              <a:rPr lang="en-US" altLang="zh-CN" dirty="0" smtClean="0"/>
-              <a:t>Post</a:t>
-            </a:r>
-            <a:endParaRPr lang="zh-CN" altLang="en-US" dirty="0"/>
-          </a:p>
-        </p:txBody>
-      </p:sp>
-      <p:pic>
-        <p:nvPicPr>
-          <p:cNvPr id="31748" name="Picture 2"/>
-          <p:cNvPicPr>
-            <a:picLocks noChangeAspect="1" noChangeArrowheads="1"/>
-          </p:cNvPicPr>
-          <p:nvPr/>
-        </p:nvPicPr>
-        <p:blipFill>
-          <a:blip r:embed="rId2">
-            <a:extLst>
-              <a:ext uri="{28A0092B-C50C-407E-A947-70E740481C1C}">
-                <a14:useLocalDpi xmlns:a14="http://schemas.microsoft.com/office/drawing/2010/main" val="0"/>
-              </a:ext>
-            </a:extLst>
-          </a:blip>
-          <a:srcRect/>
-          <a:stretch>
-            <a:fillRect/>
-          </a:stretch>
-        </p:blipFill>
-        <p:spPr bwMode="auto">
-          <a:xfrm>
-            <a:off x="457200" y="1143000"/>
-            <a:ext cx="8301038" cy="3429000"/>
-          </a:xfrm>
-          <a:prstGeom prst="rect">
-            <a:avLst/>
-          </a:prstGeom>
-          <a:noFill/>
-          <a:ln>
-            <a:noFill/>
-          </a:ln>
-          <a:extLst>
-            <a:ext uri="{909E8E84-426E-40DD-AFC4-6F175D3DCCD1}">
-              <a14:hiddenFill xmlns:a14="http://schemas.microsoft.com/office/drawing/2010/main">
-                <a:solidFill>
-                  <a:srgbClr val="FFFFFF"/>
-                </a:solidFill>
-              </a14:hiddenFill>
-            </a:ext>
-            <a:ext uri="{91240B29-F687-4F45-9708-019B960494DF}">
-              <a14:hiddenLine xmlns:a14="http://schemas.microsoft.com/office/drawing/2010/main" w="9525" algn="ctr">
-                <a:solidFill>
-                  <a:srgbClr val="000000"/>
-                </a:solidFill>
-                <a:miter lim="800000"/>
-                <a:headEnd/>
-                <a:tailEnd/>
-              </a14:hiddenLine>
-            </a:ext>
-          </a:extLst>
-        </p:spPr>
-      </p:pic>
-    </p:spTree>
-    <p:extLst>
-      <p:ext uri="{BB962C8B-B14F-4D97-AF65-F5344CB8AC3E}">
-        <p14:creationId xmlns:p14="http://schemas.microsoft.com/office/powerpoint/2010/main" val="3592902632"/>
-      </p:ext>
-    </p:extLst>
-  </p:cSld>
-  <p:clrMapOvr>
-    <a:masterClrMapping/>
-  </p:clrMapOvr>
-</p:sld>
-</file>
-
-<file path=ppt/slides/slide27.xml><?xml version="1.0" encoding="utf-8"?>
-<p:sld xmlns:a="http://schemas.openxmlformats.org/drawingml/2006/main" xmlns:r="http://schemas.openxmlformats.org/officeDocument/2006/relationships" xmlns:p="http://schemas.openxmlformats.org/presentationml/2006/main">
-  <p:cSld>
-    <p:spTree>
-      <p:nvGrpSpPr>
-        <p:cNvPr id="1" name=""/>
-        <p:cNvGrpSpPr/>
-        <p:nvPr/>
-      </p:nvGrpSpPr>
-      <p:grpSpPr>
-        <a:xfrm>
-          <a:off x="0" y="0"/>
-          <a:ext cx="0" cy="0"/>
-          <a:chOff x="0" y="0"/>
-          <a:chExt cx="0" cy="0"/>
-        </a:xfrm>
-      </p:grpSpPr>
-      <p:sp>
-        <p:nvSpPr>
-          <p:cNvPr id="32770" name="内容占位符 1"/>
-          <p:cNvSpPr>
-            <a:spLocks noGrp="1"/>
-          </p:cNvSpPr>
-          <p:nvPr>
-            <p:ph idx="1"/>
-          </p:nvPr>
-        </p:nvSpPr>
-        <p:spPr>
-          <a:xfrm>
-            <a:off x="428625" y="1143000"/>
-            <a:ext cx="8429625" cy="4525963"/>
-          </a:xfrm>
-        </p:spPr>
-        <p:txBody>
-          <a:bodyPr/>
-          <a:lstStyle/>
-          <a:p>
-            <a:endParaRPr lang="zh-CN" altLang="en-US" smtClean="0"/>
-          </a:p>
-        </p:txBody>
-      </p:sp>
-      <p:sp>
-        <p:nvSpPr>
-          <p:cNvPr id="3" name="标题 2"/>
-          <p:cNvSpPr>
-            <a:spLocks noGrp="1"/>
-          </p:cNvSpPr>
-          <p:nvPr>
-            <p:ph type="title"/>
-          </p:nvPr>
-        </p:nvSpPr>
-        <p:spPr>
-          <a:xfrm>
-            <a:off x="34925" y="188913"/>
-            <a:ext cx="8229600" cy="571500"/>
-          </a:xfrm>
-        </p:spPr>
-        <p:txBody>
-          <a:bodyPr>
-            <a:normAutofit fontScale="90000"/>
-          </a:bodyPr>
-          <a:lstStyle/>
-          <a:p>
-            <a:pPr>
-              <a:defRPr/>
-            </a:pPr>
-            <a:r>
-              <a:rPr lang="zh-CN" altLang="en-US" dirty="0" smtClean="0"/>
-              <a:t>一个</a:t>
-            </a:r>
-            <a:r>
-              <a:rPr lang="en-US" altLang="zh-CN" dirty="0" smtClean="0"/>
-              <a:t>Blog</a:t>
-            </a:r>
-            <a:r>
-              <a:rPr lang="zh-CN" altLang="en-US" dirty="0" smtClean="0"/>
-              <a:t>只有一个</a:t>
-            </a:r>
-            <a:r>
-              <a:rPr lang="en-US" altLang="zh-CN" dirty="0" smtClean="0"/>
-              <a:t>Author</a:t>
-            </a:r>
-            <a:endParaRPr lang="zh-CN" altLang="en-US" dirty="0"/>
-          </a:p>
-        </p:txBody>
-      </p:sp>
-      <p:pic>
-        <p:nvPicPr>
-          <p:cNvPr id="32772" name="Picture 3"/>
-          <p:cNvPicPr>
-            <a:picLocks noChangeAspect="1" noChangeArrowheads="1"/>
-          </p:cNvPicPr>
-          <p:nvPr/>
-        </p:nvPicPr>
-        <p:blipFill>
-          <a:blip r:embed="rId2">
-            <a:extLst>
-              <a:ext uri="{28A0092B-C50C-407E-A947-70E740481C1C}">
-                <a14:useLocalDpi xmlns:a14="http://schemas.microsoft.com/office/drawing/2010/main" val="0"/>
-              </a:ext>
-            </a:extLst>
-          </a:blip>
-          <a:srcRect/>
-          <a:stretch>
-            <a:fillRect/>
-          </a:stretch>
-        </p:blipFill>
-        <p:spPr bwMode="auto">
-          <a:xfrm>
-            <a:off x="609600" y="1066800"/>
-            <a:ext cx="6400800" cy="4492625"/>
-          </a:xfrm>
-          <a:prstGeom prst="rect">
-            <a:avLst/>
-          </a:prstGeom>
-          <a:noFill/>
-          <a:ln>
-            <a:noFill/>
-          </a:ln>
-          <a:extLst>
-            <a:ext uri="{909E8E84-426E-40DD-AFC4-6F175D3DCCD1}">
-              <a14:hiddenFill xmlns:a14="http://schemas.microsoft.com/office/drawing/2010/main">
-                <a:solidFill>
-                  <a:srgbClr val="FFFFFF"/>
-                </a:solidFill>
-              </a14:hiddenFill>
-            </a:ext>
-            <a:ext uri="{91240B29-F687-4F45-9708-019B960494DF}">
-              <a14:hiddenLine xmlns:a14="http://schemas.microsoft.com/office/drawing/2010/main" w="9525" algn="ctr">
-                <a:solidFill>
-                  <a:srgbClr val="000000"/>
-                </a:solidFill>
-                <a:miter lim="800000"/>
-                <a:headEnd/>
-                <a:tailEnd/>
-              </a14:hiddenLine>
-            </a:ext>
-          </a:extLst>
-        </p:spPr>
-      </p:pic>
-    </p:spTree>
-    <p:extLst>
-      <p:ext uri="{BB962C8B-B14F-4D97-AF65-F5344CB8AC3E}">
-        <p14:creationId xmlns:p14="http://schemas.microsoft.com/office/powerpoint/2010/main" val="246055463"/>
-      </p:ext>
-    </p:extLst>
-  </p:cSld>
-  <p:clrMapOvr>
-    <a:masterClrMapping/>
-  </p:clrMapOvr>
-</p:sld>
-</file>
-
-<file path=ppt/slides/slide28.xml><?xml version="1.0" encoding="utf-8"?>
-<p:sld xmlns:a="http://schemas.openxmlformats.org/drawingml/2006/main" xmlns:r="http://schemas.openxmlformats.org/officeDocument/2006/relationships" xmlns:p="http://schemas.openxmlformats.org/presentationml/2006/main">
-  <p:cSld>
-    <p:spTree>
-      <p:nvGrpSpPr>
-        <p:cNvPr id="1" name=""/>
-        <p:cNvGrpSpPr/>
-        <p:nvPr/>
-      </p:nvGrpSpPr>
-      <p:grpSpPr>
-        <a:xfrm>
-          <a:off x="0" y="0"/>
-          <a:ext cx="0" cy="0"/>
-          <a:chOff x="0" y="0"/>
-          <a:chExt cx="0" cy="0"/>
-        </a:xfrm>
-      </p:grpSpPr>
-      <p:sp>
-        <p:nvSpPr>
-          <p:cNvPr id="33794" name="内容占位符 1"/>
-          <p:cNvSpPr>
-            <a:spLocks noGrp="1"/>
-          </p:cNvSpPr>
-          <p:nvPr>
-            <p:ph idx="1"/>
-          </p:nvPr>
-        </p:nvSpPr>
-        <p:spPr>
-          <a:xfrm>
-            <a:off x="428625" y="1143000"/>
-            <a:ext cx="8429625" cy="4525963"/>
-          </a:xfrm>
-        </p:spPr>
-        <p:txBody>
-          <a:bodyPr/>
-          <a:lstStyle/>
-          <a:p>
-            <a:r>
-              <a:rPr lang="en-US" altLang="zh-CN" smtClean="0"/>
-              <a:t>ToDo</a:t>
-            </a:r>
-          </a:p>
-          <a:p>
-            <a:r>
-              <a:rPr lang="en-US" altLang="zh-CN" smtClean="0"/>
-              <a:t>Blog</a:t>
-            </a:r>
-            <a:endParaRPr lang="zh-CN" altLang="en-US" smtClean="0"/>
-          </a:p>
-        </p:txBody>
-      </p:sp>
-      <p:sp>
-        <p:nvSpPr>
-          <p:cNvPr id="3" name="标题 2"/>
-          <p:cNvSpPr>
-            <a:spLocks noGrp="1"/>
-          </p:cNvSpPr>
-          <p:nvPr>
-            <p:ph type="title"/>
-          </p:nvPr>
-        </p:nvSpPr>
-        <p:spPr>
-          <a:xfrm>
-            <a:off x="34925" y="188913"/>
-            <a:ext cx="8229600" cy="571500"/>
-          </a:xfrm>
-        </p:spPr>
-        <p:txBody>
-          <a:bodyPr>
-            <a:normAutofit fontScale="90000"/>
-          </a:bodyPr>
-          <a:lstStyle/>
-          <a:p>
-            <a:pPr>
-              <a:defRPr/>
-            </a:pPr>
-            <a:r>
-              <a:rPr lang="zh-CN" altLang="en-US" dirty="0" smtClean="0"/>
-              <a:t>运行示例程序</a:t>
-            </a:r>
-            <a:endParaRPr lang="zh-CN" altLang="en-US" dirty="0"/>
-          </a:p>
-        </p:txBody>
-      </p:sp>
-    </p:spTree>
-    <p:extLst>
-      <p:ext uri="{BB962C8B-B14F-4D97-AF65-F5344CB8AC3E}">
-        <p14:creationId xmlns:p14="http://schemas.microsoft.com/office/powerpoint/2010/main" val="3140109983"/>
-      </p:ext>
-    </p:extLst>
-  </p:cSld>
-  <p:clrMapOvr>
-    <a:masterClrMapping/>
-  </p:clrMapOvr>
-</p:sld>
-</file>
-
-<file path=ppt/slides/slide29.xml><?xml version="1.0" encoding="utf-8"?>
-<p:sld xmlns:a="http://schemas.openxmlformats.org/drawingml/2006/main" xmlns:r="http://schemas.openxmlformats.org/officeDocument/2006/relationships" xmlns:p="http://schemas.openxmlformats.org/presentationml/2006/main">
-  <p:cSld>
-    <p:spTree>
-      <p:nvGrpSpPr>
-        <p:cNvPr id="1" name=""/>
-        <p:cNvGrpSpPr/>
-        <p:nvPr/>
-      </p:nvGrpSpPr>
-      <p:grpSpPr>
-        <a:xfrm>
-          <a:off x="0" y="0"/>
-          <a:ext cx="0" cy="0"/>
-          <a:chOff x="0" y="0"/>
-          <a:chExt cx="0" cy="0"/>
-        </a:xfrm>
-      </p:grpSpPr>
-      <p:sp>
-        <p:nvSpPr>
-          <p:cNvPr id="2" name="标题 1"/>
-          <p:cNvSpPr>
-            <a:spLocks noGrp="1"/>
-          </p:cNvSpPr>
-          <p:nvPr>
-            <p:ph type="title"/>
-          </p:nvPr>
-        </p:nvSpPr>
-        <p:spPr/>
-        <p:txBody>
-          <a:bodyPr>
-            <a:normAutofit fontScale="90000"/>
-          </a:bodyPr>
-          <a:lstStyle/>
-          <a:p>
-            <a:endParaRPr lang="zh-CN" altLang="en-US" dirty="0"/>
-          </a:p>
-        </p:txBody>
-      </p:sp>
-      <p:sp>
-        <p:nvSpPr>
-          <p:cNvPr id="3" name="内容占位符 2"/>
-          <p:cNvSpPr>
-            <a:spLocks noGrp="1"/>
-          </p:cNvSpPr>
-          <p:nvPr>
-            <p:ph idx="1"/>
-          </p:nvPr>
-        </p:nvSpPr>
-        <p:spPr/>
-        <p:txBody>
-          <a:bodyPr/>
-          <a:lstStyle/>
-          <a:p>
-            <a:endParaRPr lang="zh-CN" altLang="en-US"/>
-          </a:p>
-        </p:txBody>
-      </p:sp>
-    </p:spTree>
-    <p:extLst>
-      <p:ext uri="{BB962C8B-B14F-4D97-AF65-F5344CB8AC3E}">
-        <p14:creationId xmlns:p14="http://schemas.microsoft.com/office/powerpoint/2010/main" val="2281406135"/>
-      </p:ext>
-    </p:extLst>
-  </p:cSld>
-  <p:clrMapOvr>
-    <a:masterClrMapping/>
-  </p:clrMapOvr>
 </p:sld>
 </file>
 
@@ -43466,43 +41055,6 @@
     <p:extLst>
       <p:ext uri="{BB962C8B-B14F-4D97-AF65-F5344CB8AC3E}">
         <p14:creationId xmlns:p14="http://schemas.microsoft.com/office/powerpoint/2010/main" val="2479460613"/>
-      </p:ext>
-    </p:extLst>
-  </p:cSld>
-  <p:clrMapOvr>
-    <a:masterClrMapping/>
-  </p:clrMapOvr>
-  <p:timing>
-    <p:tnLst>
-      <p:par>
-        <p:cTn id="1" dur="indefinite" restart="never" nodeType="tmRoot"/>
-      </p:par>
-    </p:tnLst>
-  </p:timing>
-</p:sld>
-</file>
-
-<file path=ppt/slides/slide30.xml><?xml version="1.0" encoding="utf-8"?>
-<p:sld xmlns:a="http://schemas.openxmlformats.org/drawingml/2006/main" xmlns:r="http://schemas.openxmlformats.org/officeDocument/2006/relationships" xmlns:p="http://schemas.openxmlformats.org/presentationml/2006/main">
-  <p:cSld>
-    <p:spTree>
-      <p:nvGrpSpPr>
-        <p:cNvPr id="1" name=""/>
-        <p:cNvGrpSpPr/>
-        <p:nvPr/>
-      </p:nvGrpSpPr>
-      <p:grpSpPr>
-        <a:xfrm>
-          <a:off x="0" y="0"/>
-          <a:ext cx="0" cy="0"/>
-          <a:chOff x="0" y="0"/>
-          <a:chExt cx="0" cy="0"/>
-        </a:xfrm>
-      </p:grpSpPr>
-    </p:spTree>
-    <p:extLst>
-      <p:ext uri="{BB962C8B-B14F-4D97-AF65-F5344CB8AC3E}">
-        <p14:creationId xmlns:p14="http://schemas.microsoft.com/office/powerpoint/2010/main" val="3418871224"/>
       </p:ext>
     </p:extLst>
   </p:cSld>
@@ -44206,6 +41758,192 @@
       </p:grpSpPr>
       <p:sp>
         <p:nvSpPr>
+          <p:cNvPr id="2" name="标题 1"/>
+          <p:cNvSpPr>
+            <a:spLocks noGrp="1"/>
+          </p:cNvSpPr>
+          <p:nvPr>
+            <p:ph type="title"/>
+          </p:nvPr>
+        </p:nvSpPr>
+        <p:spPr/>
+        <p:txBody>
+          <a:bodyPr>
+            <a:normAutofit fontScale="90000"/>
+          </a:bodyPr>
+          <a:lstStyle/>
+          <a:p>
+            <a:r>
+              <a:rPr lang="zh-CN" altLang="en-US" dirty="0"/>
+              <a:t>配置定义</a:t>
+            </a:r>
+          </a:p>
+        </p:txBody>
+      </p:sp>
+      <p:sp>
+        <p:nvSpPr>
+          <p:cNvPr id="3" name="内容占位符 2"/>
+          <p:cNvSpPr>
+            <a:spLocks noGrp="1"/>
+          </p:cNvSpPr>
+          <p:nvPr>
+            <p:ph idx="1"/>
+          </p:nvPr>
+        </p:nvSpPr>
+        <p:spPr/>
+        <p:txBody>
+          <a:bodyPr/>
+          <a:lstStyle/>
+          <a:p>
+            <a:r>
+              <a:rPr lang="en-US" altLang="zh-CN" dirty="0" smtClean="0"/>
+              <a:t>Environments</a:t>
+            </a:r>
+            <a:r>
+              <a:rPr lang="zh-CN" altLang="en-US" dirty="0" smtClean="0"/>
+              <a:t>：可以配置多个环境</a:t>
+            </a:r>
+            <a:endParaRPr lang="en-US" altLang="zh-CN" dirty="0" smtClean="0"/>
+          </a:p>
+          <a:p>
+            <a:r>
+              <a:rPr lang="en-US" altLang="zh-CN" dirty="0" err="1" smtClean="0"/>
+              <a:t>transactionManager</a:t>
+            </a:r>
+            <a:r>
+              <a:rPr lang="zh-CN" altLang="en-US" dirty="0" smtClean="0"/>
+              <a:t>：</a:t>
+            </a:r>
+            <a:endParaRPr lang="en-US" altLang="zh-CN" dirty="0" smtClean="0"/>
+          </a:p>
+          <a:p>
+            <a:pPr lvl="1"/>
+            <a:r>
+              <a:rPr lang="en-US" altLang="zh-CN" dirty="0" smtClean="0"/>
+              <a:t>JDBC </a:t>
+            </a:r>
+            <a:r>
+              <a:rPr lang="zh-CN" altLang="en-US" dirty="0" smtClean="0"/>
+              <a:t>或</a:t>
+            </a:r>
+            <a:r>
+              <a:rPr lang="en-US" altLang="zh-CN" dirty="0" smtClean="0"/>
+              <a:t>MANAGED</a:t>
+            </a:r>
+          </a:p>
+          <a:p>
+            <a:r>
+              <a:rPr lang="en-US" altLang="zh-CN" dirty="0" err="1"/>
+              <a:t>dataSource</a:t>
+            </a:r>
+            <a:r>
+              <a:rPr lang="en-US" altLang="zh-CN" dirty="0"/>
+              <a:t> </a:t>
+            </a:r>
+            <a:r>
+              <a:rPr lang="zh-CN" altLang="en-US" dirty="0" smtClean="0"/>
+              <a:t>：配置</a:t>
+            </a:r>
+            <a:r>
+              <a:rPr lang="en-US" altLang="zh-CN" dirty="0" err="1" smtClean="0"/>
+              <a:t>datasource</a:t>
+            </a:r>
+            <a:endParaRPr lang="en-US" altLang="zh-CN" dirty="0" smtClean="0"/>
+          </a:p>
+          <a:p>
+            <a:pPr lvl="1"/>
+            <a:r>
+              <a:rPr lang="en-US" altLang="zh-CN" dirty="0" smtClean="0"/>
+              <a:t>type: POOLED, UNPOOLED</a:t>
+            </a:r>
+          </a:p>
+          <a:p>
+            <a:r>
+              <a:rPr lang="en-US" altLang="zh-CN" dirty="0" err="1" smtClean="0"/>
+              <a:t>typeAliases</a:t>
+            </a:r>
+            <a:r>
+              <a:rPr lang="en-US" altLang="zh-CN" dirty="0" smtClean="0"/>
+              <a:t>:  </a:t>
+            </a:r>
+            <a:r>
+              <a:rPr lang="zh-CN" altLang="en-US" dirty="0" smtClean="0"/>
+              <a:t>给</a:t>
+            </a:r>
+            <a:r>
+              <a:rPr lang="en-US" altLang="zh-CN" dirty="0" smtClean="0"/>
+              <a:t>Java</a:t>
+            </a:r>
+            <a:r>
+              <a:rPr lang="zh-CN" altLang="en-US" dirty="0" smtClean="0"/>
+              <a:t>类一个短的名字</a:t>
+            </a:r>
+            <a:endParaRPr lang="en-US" altLang="zh-CN" dirty="0" smtClean="0"/>
+          </a:p>
+          <a:p>
+            <a:r>
+              <a:rPr lang="en-US" altLang="zh-CN" dirty="0" smtClean="0"/>
+              <a:t>mappers</a:t>
+            </a:r>
+            <a:r>
+              <a:rPr lang="zh-CN" altLang="en-US" dirty="0" smtClean="0"/>
+              <a:t>：指定</a:t>
+            </a:r>
+            <a:r>
+              <a:rPr lang="en-US" altLang="zh-CN" dirty="0" smtClean="0"/>
+              <a:t>map</a:t>
+            </a:r>
+            <a:r>
+              <a:rPr lang="zh-CN" altLang="en-US" dirty="0" smtClean="0"/>
+              <a:t>文件</a:t>
+            </a:r>
+            <a:r>
+              <a:rPr lang="en-US" altLang="zh-CN" dirty="0" smtClean="0"/>
+              <a:t>(xml)</a:t>
+            </a:r>
+            <a:r>
+              <a:rPr lang="zh-CN" altLang="en-US" dirty="0" smtClean="0"/>
+              <a:t>文件的位置</a:t>
+            </a:r>
+            <a:endParaRPr lang="en-US" altLang="zh-CN" dirty="0"/>
+          </a:p>
+          <a:p>
+            <a:endParaRPr lang="zh-CN" altLang="en-US" dirty="0"/>
+          </a:p>
+        </p:txBody>
+      </p:sp>
+    </p:spTree>
+    <p:extLst>
+      <p:ext uri="{BB962C8B-B14F-4D97-AF65-F5344CB8AC3E}">
+        <p14:creationId xmlns:p14="http://schemas.microsoft.com/office/powerpoint/2010/main" val="3596749287"/>
+      </p:ext>
+    </p:extLst>
+  </p:cSld>
+  <p:clrMapOvr>
+    <a:masterClrMapping/>
+  </p:clrMapOvr>
+</p:sld>
+</file>
+
+<file path=ppt/slides/slide9.xml><?xml version="1.0" encoding="utf-8"?>
+<p:sld xmlns:a="http://schemas.openxmlformats.org/drawingml/2006/main" xmlns:r="http://schemas.openxmlformats.org/officeDocument/2006/relationships" xmlns:p="http://schemas.openxmlformats.org/presentationml/2006/main">
+  <p:cSld>
+    <p:spTree>
+      <p:nvGrpSpPr>
+        <p:cNvPr id="1" name=""/>
+        <p:cNvGrpSpPr/>
+        <p:nvPr/>
+      </p:nvGrpSpPr>
+      <p:grpSpPr>
+        <a:xfrm>
+          <a:off x="0" y="0"/>
+          <a:ext cx="0" cy="0"/>
+          <a:chOff x="0" y="0"/>
+          <a:chExt cx="0" cy="0"/>
+        </a:xfrm>
+      </p:grpSpPr>
+      <p:sp>
+        <p:nvSpPr>
           <p:cNvPr id="13314" name="内容占位符 1"/>
           <p:cNvSpPr>
             <a:spLocks noGrp="1"/>
@@ -44224,19 +41962,6 @@
           <a:bodyPr/>
           <a:lstStyle/>
           <a:p>
-            <a:pPr eaLnBrk="1" hangingPunct="1"/>
-            <a:r>
-              <a:rPr lang="en-US" altLang="zh-CN" dirty="0" smtClean="0"/>
-              <a:t>XML</a:t>
-            </a:r>
-            <a:r>
-              <a:rPr lang="zh-CN" altLang="en-US" dirty="0" smtClean="0"/>
-              <a:t>文件</a:t>
-            </a:r>
-            <a:endParaRPr lang="en-US" altLang="zh-CN" dirty="0" smtClean="0"/>
-          </a:p>
-          <a:p>
-            <a:pPr lvl="1" eaLnBrk="1" hangingPunct="1"/>
             <a:r>
               <a:rPr lang="en-US" altLang="zh-CN" dirty="0" smtClean="0"/>
               <a:t>SQL</a:t>
@@ -44255,34 +41980,82 @@
             </a:r>
             <a:r>
               <a:rPr lang="en-US" altLang="zh-CN" dirty="0" smtClean="0"/>
-              <a:t>. </a:t>
+              <a:t>.</a:t>
             </a:r>
           </a:p>
           <a:p>
-            <a:pPr lvl="1" eaLnBrk="1" hangingPunct="1"/>
-            <a:endParaRPr lang="en-US" altLang="zh-CN" dirty="0" smtClean="0"/>
-          </a:p>
-          <a:p>
-            <a:pPr eaLnBrk="1" hangingPunct="1"/>
-            <a:r>
-              <a:rPr lang="zh-CN" altLang="en-US" dirty="0" smtClean="0"/>
-              <a:t>注解</a:t>
-            </a:r>
-            <a:endParaRPr lang="en-US" altLang="zh-CN" dirty="0" smtClean="0"/>
-          </a:p>
-          <a:p>
-            <a:pPr lvl="1" eaLnBrk="1" hangingPunct="1"/>
             <a:r>
               <a:rPr lang="en-US" altLang="zh-CN" dirty="0" smtClean="0"/>
               <a:t>SQL</a:t>
             </a:r>
             <a:r>
+              <a:rPr lang="zh-CN" altLang="en-US" dirty="0"/>
+              <a:t>语句</a:t>
+            </a:r>
+            <a:r>
               <a:rPr lang="zh-CN" altLang="en-US" dirty="0" smtClean="0"/>
-              <a:t>语句通过注解定义在一个接口上。</a:t>
+              <a:t>映射</a:t>
+            </a:r>
+            <a:endParaRPr lang="en-US" altLang="zh-CN" dirty="0" smtClean="0"/>
+          </a:p>
+          <a:p>
+            <a:r>
+              <a:rPr lang="en-US" altLang="zh-CN" dirty="0" err="1"/>
+              <a:t>ResultSet</a:t>
+            </a:r>
+            <a:r>
+              <a:rPr lang="en-US" altLang="zh-CN" dirty="0"/>
+              <a:t> </a:t>
+            </a:r>
+            <a:r>
+              <a:rPr lang="en-US" altLang="zh-CN" dirty="0" smtClean="0"/>
+              <a:t>Map</a:t>
             </a:r>
           </a:p>
           <a:p>
-            <a:pPr lvl="1" eaLnBrk="1" hangingPunct="1"/>
+            <a:r>
+              <a:rPr lang="zh-CN" altLang="en-US" dirty="0"/>
+              <a:t>定义一个</a:t>
+            </a:r>
+            <a:r>
+              <a:rPr lang="en-US" altLang="zh-CN" dirty="0"/>
+              <a:t>Java</a:t>
+            </a:r>
+            <a:r>
+              <a:rPr lang="zh-CN" altLang="en-US" dirty="0"/>
+              <a:t>接口定义数据库操作</a:t>
+            </a:r>
+            <a:endParaRPr lang="en-US" altLang="zh-CN" dirty="0"/>
+          </a:p>
+          <a:p>
+            <a:r>
+              <a:rPr lang="zh-CN" altLang="en-US" dirty="0"/>
+              <a:t>将</a:t>
+            </a:r>
+            <a:r>
+              <a:rPr lang="en-US" altLang="zh-CN" dirty="0"/>
+              <a:t>SQL</a:t>
+            </a:r>
+            <a:r>
+              <a:rPr lang="zh-CN" altLang="en-US" dirty="0"/>
+              <a:t>映射也通过注解定义在</a:t>
+            </a:r>
+            <a:r>
+              <a:rPr lang="en-US" altLang="zh-CN" dirty="0"/>
+              <a:t>Java</a:t>
+            </a:r>
+            <a:r>
+              <a:rPr lang="zh-CN" altLang="en-US" dirty="0"/>
+              <a:t>接口上</a:t>
+            </a:r>
+          </a:p>
+          <a:p>
+            <a:endParaRPr lang="en-US" altLang="zh-CN" dirty="0" smtClean="0"/>
+          </a:p>
+          <a:p>
+            <a:endParaRPr lang="en-US" altLang="zh-CN" dirty="0"/>
+          </a:p>
+          <a:p>
             <a:endParaRPr lang="en-US" altLang="zh-CN" dirty="0" smtClean="0"/>
           </a:p>
         </p:txBody>
@@ -44313,12 +42086,12 @@
               <a:defRPr/>
             </a:pPr>
             <a:r>
-              <a:rPr lang="en-US" altLang="zh-CN" dirty="0" err="1" smtClean="0"/>
+              <a:rPr lang="en-US" altLang="zh-CN" dirty="0" smtClean="0"/>
               <a:t>Mapper</a:t>
             </a:r>
             <a:r>
               <a:rPr lang="zh-CN" altLang="en-US" dirty="0" smtClean="0"/>
-              <a:t>和配置的定义方式</a:t>
+              <a:t>文件</a:t>
             </a:r>
             <a:endParaRPr lang="zh-CN" altLang="en-US" dirty="0"/>
           </a:p>
@@ -44328,159 +42101,6 @@
     <p:extLst>
       <p:ext uri="{BB962C8B-B14F-4D97-AF65-F5344CB8AC3E}">
         <p14:creationId xmlns:p14="http://schemas.microsoft.com/office/powerpoint/2010/main" val="1761206131"/>
-      </p:ext>
-    </p:extLst>
-  </p:cSld>
-  <p:clrMapOvr>
-    <a:masterClrMapping/>
-  </p:clrMapOvr>
-  <p:timing>
-    <p:tnLst>
-      <p:par>
-        <p:cTn id="1" dur="indefinite" restart="never" nodeType="tmRoot"/>
-      </p:par>
-    </p:tnLst>
-  </p:timing>
-</p:sld>
-</file>
-
-<file path=ppt/slides/slide9.xml><?xml version="1.0" encoding="utf-8"?>
-<p:sld xmlns:a="http://schemas.openxmlformats.org/drawingml/2006/main" xmlns:r="http://schemas.openxmlformats.org/officeDocument/2006/relationships" xmlns:p="http://schemas.openxmlformats.org/presentationml/2006/main">
-  <p:cSld>
-    <p:spTree>
-      <p:nvGrpSpPr>
-        <p:cNvPr id="1" name=""/>
-        <p:cNvGrpSpPr/>
-        <p:nvPr/>
-      </p:nvGrpSpPr>
-      <p:grpSpPr>
-        <a:xfrm>
-          <a:off x="0" y="0"/>
-          <a:ext cx="0" cy="0"/>
-          <a:chOff x="0" y="0"/>
-          <a:chExt cx="0" cy="0"/>
-        </a:xfrm>
-      </p:grpSpPr>
-      <p:sp>
-        <p:nvSpPr>
-          <p:cNvPr id="14338" name="内容占位符 1"/>
-          <p:cNvSpPr>
-            <a:spLocks noGrp="1"/>
-          </p:cNvSpPr>
-          <p:nvPr>
-            <p:ph idx="1"/>
-          </p:nvPr>
-        </p:nvSpPr>
-        <p:spPr>
-          <a:xfrm>
-            <a:off x="457200" y="1066800"/>
-            <a:ext cx="8429625" cy="4525963"/>
-          </a:xfrm>
-        </p:spPr>
-        <p:txBody>
-          <a:bodyPr/>
-          <a:lstStyle/>
-          <a:p>
-            <a:pPr eaLnBrk="1" hangingPunct="1"/>
-            <a:r>
-              <a:rPr lang="en-US" altLang="zh-CN" sz="2000" smtClean="0"/>
-              <a:t>http://www.mybatis.org/mybatis-3/configuration.html</a:t>
-            </a:r>
-            <a:endParaRPr lang="zh-CN" altLang="en-US" sz="2000" smtClean="0"/>
-          </a:p>
-        </p:txBody>
-      </p:sp>
-      <p:sp>
-        <p:nvSpPr>
-          <p:cNvPr id="3" name="标题 2"/>
-          <p:cNvSpPr>
-            <a:spLocks noGrp="1"/>
-          </p:cNvSpPr>
-          <p:nvPr>
-            <p:ph type="title"/>
-          </p:nvPr>
-        </p:nvSpPr>
-        <p:spPr>
-          <a:xfrm>
-            <a:off x="34925" y="188913"/>
-            <a:ext cx="8229600" cy="571500"/>
-          </a:xfrm>
-        </p:spPr>
-        <p:txBody>
-          <a:bodyPr>
-            <a:normAutofit fontScale="90000"/>
-          </a:bodyPr>
-          <a:lstStyle/>
-          <a:p>
-            <a:pPr eaLnBrk="1" hangingPunct="1">
-              <a:defRPr/>
-            </a:pPr>
-            <a:r>
-              <a:rPr lang="zh-CN" altLang="en-US" dirty="0" smtClean="0"/>
-              <a:t>配置定义</a:t>
-            </a:r>
-            <a:endParaRPr lang="zh-CN" altLang="en-US" dirty="0"/>
-          </a:p>
-        </p:txBody>
-      </p:sp>
-      <p:pic>
-        <p:nvPicPr>
-          <p:cNvPr id="14340" name="Picture 3"/>
-          <p:cNvPicPr>
-            <a:picLocks noChangeAspect="1" noChangeArrowheads="1"/>
-          </p:cNvPicPr>
-          <p:nvPr/>
-        </p:nvPicPr>
-        <p:blipFill>
-          <a:blip r:embed="rId2">
-            <a:extLst>
-              <a:ext uri="{28A0092B-C50C-407E-A947-70E740481C1C}">
-                <a14:useLocalDpi xmlns:a14="http://schemas.microsoft.com/office/drawing/2010/main" val="0"/>
-              </a:ext>
-            </a:extLst>
-          </a:blip>
-          <a:srcRect/>
-          <a:stretch>
-            <a:fillRect/>
-          </a:stretch>
-        </p:blipFill>
-        <p:spPr bwMode="auto">
-          <a:xfrm>
-            <a:off x="609600" y="1676400"/>
-            <a:ext cx="7532688" cy="4238625"/>
-          </a:xfrm>
-          <a:prstGeom prst="rect">
-            <a:avLst/>
-          </a:prstGeom>
-          <a:noFill/>
-          <a:ln>
-            <a:noFill/>
-          </a:ln>
-          <a:extLst>
-            <a:ext uri="{909E8E84-426E-40DD-AFC4-6F175D3DCCD1}">
-              <a14:hiddenFill xmlns:a14="http://schemas.microsoft.com/office/drawing/2010/main">
-                <a:solidFill>
-                  <a:srgbClr val="FFFFFF"/>
-                </a:solidFill>
-              </a14:hiddenFill>
-            </a:ext>
-            <a:ext uri="{91240B29-F687-4F45-9708-019B960494DF}">
-              <a14:hiddenLine xmlns:a14="http://schemas.microsoft.com/office/drawing/2010/main" w="9525" algn="ctr">
-                <a:solidFill>
-                  <a:srgbClr val="000000"/>
-                </a:solidFill>
-                <a:miter lim="800000"/>
-                <a:headEnd/>
-                <a:tailEnd/>
-              </a14:hiddenLine>
-            </a:ext>
-          </a:extLst>
-        </p:spPr>
-      </p:pic>
-    </p:spTree>
-    <p:extLst>
-      <p:ext uri="{BB962C8B-B14F-4D97-AF65-F5344CB8AC3E}">
-        <p14:creationId xmlns:p14="http://schemas.microsoft.com/office/powerpoint/2010/main" val="3286277759"/>
       </p:ext>
     </p:extLst>
   </p:cSld>
